--- a/Présentation.pptx
+++ b/Présentation.pptx
@@ -213,7 +213,7 @@
           <a:p>
             <a:fld id="{E2123674-4262-405B-B565-29291585FFE3}" type="datetimeFigureOut">
               <a:rPr lang="fr-FR" smtClean="0"/>
-              <a:t>18/06/2015</a:t>
+              <a:t>19/06/2015</a:t>
             </a:fld>
             <a:endParaRPr lang="fr-FR"/>
           </a:p>
@@ -6629,22 +6629,20 @@
             <p:ph type="ctrTitle"/>
           </p:nvPr>
         </p:nvSpPr>
-        <p:spPr/>
+        <p:spPr>
+          <a:xfrm>
+            <a:off x="1085344" y="2210937"/>
+            <a:ext cx="8188659" cy="1839899"/>
+          </a:xfrm>
+        </p:spPr>
         <p:txBody>
           <a:bodyPr/>
           <a:lstStyle/>
           <a:p>
             <a:r>
               <a:rPr lang="fr-FR" dirty="0" smtClean="0"/>
-              <a:t>Projet </a:t>
-            </a:r>
-            <a:r>
-              <a:rPr lang="fr-FR" dirty="0" smtClean="0"/>
-              <a:t>Tuteuré</a:t>
-            </a:r>
-            <a:br>
-              <a:rPr lang="fr-FR" dirty="0" smtClean="0"/>
-            </a:br>
+              <a:t>Projet Tuteuré </a:t>
+            </a:r>
             <a:r>
               <a:rPr lang="fr-FR" dirty="0" err="1" smtClean="0"/>
               <a:t>Rock’n’clothes</a:t>
@@ -6663,20 +6661,21 @@
             <p:ph type="subTitle" idx="1"/>
           </p:nvPr>
         </p:nvSpPr>
-        <p:spPr/>
+        <p:spPr>
+          <a:xfrm>
+            <a:off x="1085344" y="4050833"/>
+            <a:ext cx="8188659" cy="1096899"/>
+          </a:xfrm>
+        </p:spPr>
         <p:txBody>
           <a:bodyPr>
-            <a:normAutofit fontScale="92500"/>
+            <a:normAutofit/>
           </a:bodyPr>
           <a:lstStyle/>
           <a:p>
             <a:r>
               <a:rPr lang="fr-FR" dirty="0" smtClean="0"/>
-              <a:t>Réalisé par </a:t>
-            </a:r>
-            <a:r>
-              <a:rPr lang="fr-FR" dirty="0" smtClean="0"/>
-              <a:t>BERTHELET Corentin</a:t>
+              <a:t>Réalisé par BERTHELET Corentin</a:t>
             </a:r>
             <a:r>
               <a:rPr lang="fr-FR" dirty="0"/>
@@ -6684,11 +6683,7 @@
             </a:r>
             <a:r>
               <a:rPr lang="fr-FR" dirty="0" smtClean="0"/>
-              <a:t>Cyril</a:t>
-            </a:r>
-            <a:r>
-              <a:rPr lang="fr-FR" dirty="0" smtClean="0"/>
-              <a:t>, </a:t>
+              <a:t>Cyril, </a:t>
             </a:r>
             <a:r>
               <a:rPr lang="fr-FR" dirty="0"/>
@@ -6756,6 +6751,36 @@
           </a:p>
         </p:txBody>
       </p:sp>
+      <p:pic>
+        <p:nvPicPr>
+          <p:cNvPr id="6" name="Image 5"/>
+          <p:cNvPicPr>
+            <a:picLocks noChangeAspect="1"/>
+          </p:cNvPicPr>
+          <p:nvPr/>
+        </p:nvPicPr>
+        <p:blipFill>
+          <a:blip r:embed="rId2">
+            <a:extLst>
+              <a:ext uri="{28A0092B-C50C-407E-A947-70E740481C1C}">
+                <a14:useLocalDpi xmlns:a14="http://schemas.microsoft.com/office/drawing/2010/main" val="0"/>
+              </a:ext>
+            </a:extLst>
+          </a:blip>
+          <a:stretch>
+            <a:fillRect/>
+          </a:stretch>
+        </p:blipFill>
+        <p:spPr>
+          <a:xfrm>
+            <a:off x="1085344" y="2436622"/>
+            <a:ext cx="3521123" cy="1582126"/>
+          </a:xfrm>
+          <a:prstGeom prst="rect">
+            <a:avLst/>
+          </a:prstGeom>
+        </p:spPr>
+      </p:pic>
     </p:spTree>
     <p:extLst>
       <p:ext uri="{BB962C8B-B14F-4D97-AF65-F5344CB8AC3E}">
@@ -7335,6 +7360,13 @@
   <p:clrMapOvr>
     <a:masterClrMapping/>
   </p:clrMapOvr>
+  <p:timing>
+    <p:tnLst>
+      <p:par>
+        <p:cTn id="1" dur="indefinite" restart="never" nodeType="tmRoot"/>
+      </p:par>
+    </p:tnLst>
+  </p:timing>
 </p:sld>
 </file>
 
@@ -7487,6 +7519,13 @@
   <p:clrMapOvr>
     <a:masterClrMapping/>
   </p:clrMapOvr>
+  <p:timing>
+    <p:tnLst>
+      <p:par>
+        <p:cTn id="1" dur="indefinite" restart="never" nodeType="tmRoot"/>
+      </p:par>
+    </p:tnLst>
+  </p:timing>
 </p:sld>
 </file>
 
@@ -7595,6 +7634,757 @@
           </a:p>
         </p:txBody>
       </p:sp>
+      <p:grpSp>
+        <p:nvGrpSpPr>
+          <p:cNvPr id="40" name="Zone de dessin 1"/>
+          <p:cNvGrpSpPr/>
+          <p:nvPr/>
+        </p:nvGrpSpPr>
+        <p:grpSpPr>
+          <a:xfrm>
+            <a:off x="3002508" y="1251045"/>
+            <a:ext cx="3918108" cy="4958687"/>
+            <a:chOff x="0" y="0"/>
+            <a:chExt cx="2247900" cy="2724150"/>
+          </a:xfrm>
+        </p:grpSpPr>
+        <p:sp>
+          <p:nvSpPr>
+            <p:cNvPr id="41" name="Rectangle 40"/>
+            <p:cNvSpPr/>
+            <p:nvPr/>
+          </p:nvSpPr>
+          <p:spPr>
+            <a:xfrm>
+              <a:off x="0" y="0"/>
+              <a:ext cx="2247900" cy="2724150"/>
+            </a:xfrm>
+            <a:prstGeom prst="rect">
+              <a:avLst/>
+            </a:prstGeom>
+          </p:spPr>
+        </p:sp>
+        <p:sp>
+          <p:nvSpPr>
+            <p:cNvPr id="42" name="Zone de texte 3"/>
+            <p:cNvSpPr txBox="1"/>
+            <p:nvPr/>
+          </p:nvSpPr>
+          <p:spPr>
+            <a:xfrm>
+              <a:off x="95251" y="1038225"/>
+              <a:ext cx="971550" cy="342900"/>
+            </a:xfrm>
+            <a:prstGeom prst="rect">
+              <a:avLst/>
+            </a:prstGeom>
+            <a:ln/>
+          </p:spPr>
+          <p:style>
+            <a:lnRef idx="2">
+              <a:schemeClr val="accent6">
+                <a:shade val="50000"/>
+              </a:schemeClr>
+            </a:lnRef>
+            <a:fillRef idx="1">
+              <a:schemeClr val="accent6"/>
+            </a:fillRef>
+            <a:effectRef idx="0">
+              <a:schemeClr val="accent6"/>
+            </a:effectRef>
+            <a:fontRef idx="minor">
+              <a:schemeClr val="lt1"/>
+            </a:fontRef>
+          </p:style>
+          <p:txBody>
+            <a:bodyPr rot="0" spcFirstLastPara="0" vert="horz" wrap="square" lIns="91440" tIns="45720" rIns="91440" bIns="45720" numCol="1" spcCol="0" rtlCol="0" fromWordArt="0" anchor="t" anchorCtr="0" forceAA="0" compatLnSpc="1">
+              <a:prstTxWarp prst="textNoShape">
+                <a:avLst/>
+              </a:prstTxWarp>
+              <a:noAutofit/>
+            </a:bodyPr>
+            <a:lstStyle/>
+            <a:p>
+              <a:pPr>
+                <a:lnSpc>
+                  <a:spcPct val="107000"/>
+                </a:lnSpc>
+                <a:spcAft>
+                  <a:spcPts val="800"/>
+                </a:spcAft>
+              </a:pPr>
+              <a:r>
+                <a:rPr lang="fr-FR" sz="1100">
+                  <a:effectLst/>
+                  <a:ea typeface="Calibri" panose="020F0502020204030204" pitchFamily="34" charset="0"/>
+                  <a:cs typeface="Times New Roman" panose="02020603050405020304" pitchFamily="18" charset="0"/>
+                </a:rPr>
+                <a:t>Contrôleur</a:t>
+              </a:r>
+            </a:p>
+          </p:txBody>
+        </p:sp>
+        <p:sp>
+          <p:nvSpPr>
+            <p:cNvPr id="43" name="Zone de texte 4"/>
+            <p:cNvSpPr txBox="1"/>
+            <p:nvPr/>
+          </p:nvSpPr>
+          <p:spPr>
+            <a:xfrm>
+              <a:off x="1400176" y="1038225"/>
+              <a:ext cx="704849" cy="342900"/>
+            </a:xfrm>
+            <a:prstGeom prst="rect">
+              <a:avLst/>
+            </a:prstGeom>
+            <a:ln/>
+          </p:spPr>
+          <p:style>
+            <a:lnRef idx="2">
+              <a:schemeClr val="accent1">
+                <a:shade val="50000"/>
+              </a:schemeClr>
+            </a:lnRef>
+            <a:fillRef idx="1">
+              <a:schemeClr val="accent1"/>
+            </a:fillRef>
+            <a:effectRef idx="0">
+              <a:schemeClr val="accent1"/>
+            </a:effectRef>
+            <a:fontRef idx="minor">
+              <a:schemeClr val="lt1"/>
+            </a:fontRef>
+          </p:style>
+          <p:txBody>
+            <a:bodyPr rot="0" spcFirstLastPara="0" vert="horz" wrap="square" lIns="91440" tIns="45720" rIns="91440" bIns="45720" numCol="1" spcCol="0" rtlCol="0" fromWordArt="0" anchor="t" anchorCtr="0" forceAA="0" compatLnSpc="1">
+              <a:prstTxWarp prst="textNoShape">
+                <a:avLst/>
+              </a:prstTxWarp>
+              <a:noAutofit/>
+            </a:bodyPr>
+            <a:lstStyle/>
+            <a:p>
+              <a:pPr>
+                <a:lnSpc>
+                  <a:spcPct val="107000"/>
+                </a:lnSpc>
+                <a:spcAft>
+                  <a:spcPts val="800"/>
+                </a:spcAft>
+              </a:pPr>
+              <a:r>
+                <a:rPr lang="fr-FR" sz="1100">
+                  <a:effectLst/>
+                  <a:ea typeface="Calibri" panose="020F0502020204030204" pitchFamily="34" charset="0"/>
+                  <a:cs typeface="Times New Roman" panose="02020603050405020304" pitchFamily="18" charset="0"/>
+                </a:rPr>
+                <a:t>Modèle</a:t>
+              </a:r>
+            </a:p>
+          </p:txBody>
+        </p:sp>
+        <p:sp>
+          <p:nvSpPr>
+            <p:cNvPr id="44" name="Zone de texte 5"/>
+            <p:cNvSpPr txBox="1"/>
+            <p:nvPr/>
+          </p:nvSpPr>
+          <p:spPr>
+            <a:xfrm>
+              <a:off x="304800" y="2343151"/>
+              <a:ext cx="619125" cy="323849"/>
+            </a:xfrm>
+            <a:prstGeom prst="rect">
+              <a:avLst/>
+            </a:prstGeom>
+            <a:ln/>
+          </p:spPr>
+          <p:style>
+            <a:lnRef idx="3">
+              <a:schemeClr val="lt1"/>
+            </a:lnRef>
+            <a:fillRef idx="1">
+              <a:schemeClr val="accent2"/>
+            </a:fillRef>
+            <a:effectRef idx="1">
+              <a:schemeClr val="accent2"/>
+            </a:effectRef>
+            <a:fontRef idx="minor">
+              <a:schemeClr val="lt1"/>
+            </a:fontRef>
+          </p:style>
+          <p:txBody>
+            <a:bodyPr rot="0" spcFirstLastPara="0" vert="horz" wrap="square" lIns="91440" tIns="45720" rIns="91440" bIns="45720" numCol="1" spcCol="0" rtlCol="0" fromWordArt="0" anchor="t" anchorCtr="0" forceAA="0" compatLnSpc="1">
+              <a:prstTxWarp prst="textNoShape">
+                <a:avLst/>
+              </a:prstTxWarp>
+              <a:noAutofit/>
+            </a:bodyPr>
+            <a:lstStyle/>
+            <a:p>
+              <a:pPr>
+                <a:lnSpc>
+                  <a:spcPct val="107000"/>
+                </a:lnSpc>
+                <a:spcAft>
+                  <a:spcPts val="800"/>
+                </a:spcAft>
+              </a:pPr>
+              <a:r>
+                <a:rPr lang="fr-FR" sz="1100">
+                  <a:effectLst/>
+                  <a:ea typeface="Calibri" panose="020F0502020204030204" pitchFamily="34" charset="0"/>
+                  <a:cs typeface="Times New Roman" panose="02020603050405020304" pitchFamily="18" charset="0"/>
+                </a:rPr>
+                <a:t>Vue</a:t>
+              </a:r>
+            </a:p>
+          </p:txBody>
+        </p:sp>
+        <p:sp>
+          <p:nvSpPr>
+            <p:cNvPr id="45" name="Zone de texte 6"/>
+            <p:cNvSpPr txBox="1"/>
+            <p:nvPr/>
+          </p:nvSpPr>
+          <p:spPr>
+            <a:xfrm>
+              <a:off x="1638300" y="2371726"/>
+              <a:ext cx="466725" cy="295274"/>
+            </a:xfrm>
+            <a:prstGeom prst="rect">
+              <a:avLst/>
+            </a:prstGeom>
+            <a:ln/>
+          </p:spPr>
+          <p:style>
+            <a:lnRef idx="3">
+              <a:schemeClr val="lt1"/>
+            </a:lnRef>
+            <a:fillRef idx="1">
+              <a:schemeClr val="accent2"/>
+            </a:fillRef>
+            <a:effectRef idx="1">
+              <a:schemeClr val="accent2"/>
+            </a:effectRef>
+            <a:fontRef idx="minor">
+              <a:schemeClr val="lt1"/>
+            </a:fontRef>
+          </p:style>
+          <p:txBody>
+            <a:bodyPr rot="0" spcFirstLastPara="0" vert="horz" wrap="square" lIns="91440" tIns="45720" rIns="91440" bIns="45720" numCol="1" spcCol="0" rtlCol="0" fromWordArt="0" anchor="t" anchorCtr="0" forceAA="0" compatLnSpc="1">
+              <a:prstTxWarp prst="textNoShape">
+                <a:avLst/>
+              </a:prstTxWarp>
+              <a:noAutofit/>
+            </a:bodyPr>
+            <a:lstStyle/>
+            <a:p>
+              <a:pPr>
+                <a:lnSpc>
+                  <a:spcPct val="107000"/>
+                </a:lnSpc>
+                <a:spcAft>
+                  <a:spcPts val="800"/>
+                </a:spcAft>
+              </a:pPr>
+              <a:r>
+                <a:rPr lang="fr-FR" sz="1100">
+                  <a:effectLst/>
+                  <a:ea typeface="Calibri" panose="020F0502020204030204" pitchFamily="34" charset="0"/>
+                  <a:cs typeface="Times New Roman" panose="02020603050405020304" pitchFamily="18" charset="0"/>
+                </a:rPr>
+                <a:t>CSS</a:t>
+              </a:r>
+            </a:p>
+          </p:txBody>
+        </p:sp>
+        <p:sp>
+          <p:nvSpPr>
+            <p:cNvPr id="46" name="Zone de texte 7"/>
+            <p:cNvSpPr txBox="1"/>
+            <p:nvPr/>
+          </p:nvSpPr>
+          <p:spPr>
+            <a:xfrm>
+              <a:off x="1466850" y="1638300"/>
+              <a:ext cx="676275" cy="361950"/>
+            </a:xfrm>
+            <a:prstGeom prst="rect">
+              <a:avLst/>
+            </a:prstGeom>
+            <a:ln/>
+          </p:spPr>
+          <p:style>
+            <a:lnRef idx="3">
+              <a:schemeClr val="lt1"/>
+            </a:lnRef>
+            <a:fillRef idx="1">
+              <a:schemeClr val="accent2"/>
+            </a:fillRef>
+            <a:effectRef idx="1">
+              <a:schemeClr val="accent2"/>
+            </a:effectRef>
+            <a:fontRef idx="minor">
+              <a:schemeClr val="lt1"/>
+            </a:fontRef>
+          </p:style>
+          <p:txBody>
+            <a:bodyPr rot="0" spcFirstLastPara="0" vert="horz" wrap="square" lIns="91440" tIns="45720" rIns="91440" bIns="45720" numCol="1" spcCol="0" rtlCol="0" fromWordArt="0" anchor="t" anchorCtr="0" forceAA="0" compatLnSpc="1">
+              <a:prstTxWarp prst="textNoShape">
+                <a:avLst/>
+              </a:prstTxWarp>
+              <a:noAutofit/>
+            </a:bodyPr>
+            <a:lstStyle/>
+            <a:p>
+              <a:pPr>
+                <a:lnSpc>
+                  <a:spcPct val="107000"/>
+                </a:lnSpc>
+                <a:spcAft>
+                  <a:spcPts val="800"/>
+                </a:spcAft>
+              </a:pPr>
+              <a:r>
+                <a:rPr lang="fr-FR" sz="1100">
+                  <a:effectLst/>
+                  <a:ea typeface="Calibri" panose="020F0502020204030204" pitchFamily="34" charset="0"/>
+                  <a:cs typeface="Times New Roman" panose="02020603050405020304" pitchFamily="18" charset="0"/>
+                </a:rPr>
+                <a:t>JQuery</a:t>
+              </a:r>
+            </a:p>
+          </p:txBody>
+        </p:sp>
+        <p:sp>
+          <p:nvSpPr>
+            <p:cNvPr id="47" name="Zone de texte 8"/>
+            <p:cNvSpPr txBox="1"/>
+            <p:nvPr/>
+          </p:nvSpPr>
+          <p:spPr>
+            <a:xfrm>
+              <a:off x="219076" y="114300"/>
+              <a:ext cx="695324" cy="342900"/>
+            </a:xfrm>
+            <a:prstGeom prst="rect">
+              <a:avLst/>
+            </a:prstGeom>
+            <a:ln/>
+          </p:spPr>
+          <p:style>
+            <a:lnRef idx="2">
+              <a:schemeClr val="accent1">
+                <a:shade val="50000"/>
+              </a:schemeClr>
+            </a:lnRef>
+            <a:fillRef idx="1">
+              <a:schemeClr val="accent1"/>
+            </a:fillRef>
+            <a:effectRef idx="0">
+              <a:schemeClr val="accent1"/>
+            </a:effectRef>
+            <a:fontRef idx="minor">
+              <a:schemeClr val="lt1"/>
+            </a:fontRef>
+          </p:style>
+          <p:txBody>
+            <a:bodyPr rot="0" spcFirstLastPara="0" vert="horz" wrap="square" lIns="91440" tIns="45720" rIns="91440" bIns="45720" numCol="1" spcCol="0" rtlCol="0" fromWordArt="0" anchor="t" anchorCtr="0" forceAA="0" compatLnSpc="1">
+              <a:prstTxWarp prst="textNoShape">
+                <a:avLst/>
+              </a:prstTxWarp>
+              <a:noAutofit/>
+            </a:bodyPr>
+            <a:lstStyle/>
+            <a:p>
+              <a:pPr>
+                <a:lnSpc>
+                  <a:spcPct val="107000"/>
+                </a:lnSpc>
+                <a:spcAft>
+                  <a:spcPts val="800"/>
+                </a:spcAft>
+              </a:pPr>
+              <a:r>
+                <a:rPr lang="fr-FR" sz="1100">
+                  <a:effectLst/>
+                  <a:ea typeface="Calibri" panose="020F0502020204030204" pitchFamily="34" charset="0"/>
+                  <a:cs typeface="Times New Roman" panose="02020603050405020304" pitchFamily="18" charset="0"/>
+                </a:rPr>
+                <a:t>Classe</a:t>
+              </a:r>
+            </a:p>
+            <a:p>
+              <a:pPr>
+                <a:lnSpc>
+                  <a:spcPct val="107000"/>
+                </a:lnSpc>
+                <a:spcAft>
+                  <a:spcPts val="800"/>
+                </a:spcAft>
+              </a:pPr>
+              <a:r>
+                <a:rPr lang="fr-FR" sz="1100">
+                  <a:effectLst/>
+                  <a:ea typeface="Calibri" panose="020F0502020204030204" pitchFamily="34" charset="0"/>
+                  <a:cs typeface="Times New Roman" panose="02020603050405020304" pitchFamily="18" charset="0"/>
+                </a:rPr>
+                <a:t> </a:t>
+              </a:r>
+            </a:p>
+          </p:txBody>
+        </p:sp>
+        <p:sp>
+          <p:nvSpPr>
+            <p:cNvPr id="48" name="Zone de texte 9"/>
+            <p:cNvSpPr txBox="1"/>
+            <p:nvPr/>
+          </p:nvSpPr>
+          <p:spPr>
+            <a:xfrm>
+              <a:off x="1371599" y="57150"/>
+              <a:ext cx="790575" cy="485775"/>
+            </a:xfrm>
+            <a:prstGeom prst="rect">
+              <a:avLst/>
+            </a:prstGeom>
+            <a:ln/>
+          </p:spPr>
+          <p:style>
+            <a:lnRef idx="2">
+              <a:schemeClr val="accent3">
+                <a:shade val="50000"/>
+              </a:schemeClr>
+            </a:lnRef>
+            <a:fillRef idx="1">
+              <a:schemeClr val="accent3"/>
+            </a:fillRef>
+            <a:effectRef idx="0">
+              <a:schemeClr val="accent3"/>
+            </a:effectRef>
+            <a:fontRef idx="minor">
+              <a:schemeClr val="lt1"/>
+            </a:fontRef>
+          </p:style>
+          <p:txBody>
+            <a:bodyPr rot="0" spcFirstLastPara="0" vert="horz" wrap="square" lIns="91440" tIns="45720" rIns="91440" bIns="45720" numCol="1" spcCol="0" rtlCol="0" fromWordArt="0" anchor="t" anchorCtr="0" forceAA="0" compatLnSpc="1">
+              <a:prstTxWarp prst="textNoShape">
+                <a:avLst/>
+              </a:prstTxWarp>
+              <a:noAutofit/>
+            </a:bodyPr>
+            <a:lstStyle/>
+            <a:p>
+              <a:pPr>
+                <a:lnSpc>
+                  <a:spcPct val="107000"/>
+                </a:lnSpc>
+                <a:spcAft>
+                  <a:spcPts val="800"/>
+                </a:spcAft>
+              </a:pPr>
+              <a:r>
+                <a:rPr lang="fr-FR" sz="1100">
+                  <a:effectLst/>
+                  <a:ea typeface="Calibri" panose="020F0502020204030204" pitchFamily="34" charset="0"/>
+                  <a:cs typeface="Times New Roman" panose="02020603050405020304" pitchFamily="18" charset="0"/>
+                </a:rPr>
+                <a:t>Base de données</a:t>
+              </a:r>
+            </a:p>
+          </p:txBody>
+        </p:sp>
+        <p:cxnSp>
+          <p:nvCxnSpPr>
+            <p:cNvPr id="49" name="Connecteur droit avec flèche 48"/>
+            <p:cNvCxnSpPr>
+              <a:stCxn id="46" idx="1"/>
+              <a:endCxn id="44" idx="0"/>
+            </p:cNvCxnSpPr>
+            <p:nvPr/>
+          </p:nvCxnSpPr>
+          <p:spPr>
+            <a:xfrm flipH="1">
+              <a:off x="614363" y="1819275"/>
+              <a:ext cx="852487" cy="523876"/>
+            </a:xfrm>
+            <a:prstGeom prst="straightConnector1">
+              <a:avLst/>
+            </a:prstGeom>
+            <a:ln>
+              <a:tailEnd type="triangle"/>
+            </a:ln>
+          </p:spPr>
+          <p:style>
+            <a:lnRef idx="1">
+              <a:schemeClr val="accent2"/>
+            </a:lnRef>
+            <a:fillRef idx="0">
+              <a:schemeClr val="accent2"/>
+            </a:fillRef>
+            <a:effectRef idx="0">
+              <a:schemeClr val="accent2"/>
+            </a:effectRef>
+            <a:fontRef idx="minor">
+              <a:schemeClr val="tx1"/>
+            </a:fontRef>
+          </p:style>
+        </p:cxnSp>
+        <p:cxnSp>
+          <p:nvCxnSpPr>
+            <p:cNvPr id="50" name="Connecteur droit avec flèche 49"/>
+            <p:cNvCxnSpPr>
+              <a:stCxn id="46" idx="1"/>
+              <a:endCxn id="42" idx="2"/>
+            </p:cNvCxnSpPr>
+            <p:nvPr/>
+          </p:nvCxnSpPr>
+          <p:spPr>
+            <a:xfrm flipH="1" flipV="1">
+              <a:off x="581026" y="1381125"/>
+              <a:ext cx="885824" cy="438150"/>
+            </a:xfrm>
+            <a:prstGeom prst="straightConnector1">
+              <a:avLst/>
+            </a:prstGeom>
+            <a:ln>
+              <a:tailEnd type="triangle"/>
+            </a:ln>
+          </p:spPr>
+          <p:style>
+            <a:lnRef idx="1">
+              <a:schemeClr val="accent2"/>
+            </a:lnRef>
+            <a:fillRef idx="0">
+              <a:schemeClr val="accent2"/>
+            </a:fillRef>
+            <a:effectRef idx="0">
+              <a:schemeClr val="accent2"/>
+            </a:effectRef>
+            <a:fontRef idx="minor">
+              <a:schemeClr val="tx1"/>
+            </a:fontRef>
+          </p:style>
+        </p:cxnSp>
+        <p:cxnSp>
+          <p:nvCxnSpPr>
+            <p:cNvPr id="51" name="Connecteur droit avec flèche 50"/>
+            <p:cNvCxnSpPr>
+              <a:stCxn id="44" idx="3"/>
+              <a:endCxn id="45" idx="1"/>
+            </p:cNvCxnSpPr>
+            <p:nvPr/>
+          </p:nvCxnSpPr>
+          <p:spPr>
+            <a:xfrm>
+              <a:off x="923925" y="2505076"/>
+              <a:ext cx="714375" cy="14287"/>
+            </a:xfrm>
+            <a:prstGeom prst="straightConnector1">
+              <a:avLst/>
+            </a:prstGeom>
+            <a:ln>
+              <a:tailEnd type="triangle"/>
+            </a:ln>
+          </p:spPr>
+          <p:style>
+            <a:lnRef idx="1">
+              <a:schemeClr val="accent2"/>
+            </a:lnRef>
+            <a:fillRef idx="0">
+              <a:schemeClr val="accent2"/>
+            </a:fillRef>
+            <a:effectRef idx="0">
+              <a:schemeClr val="accent2"/>
+            </a:effectRef>
+            <a:fontRef idx="minor">
+              <a:schemeClr val="tx1"/>
+            </a:fontRef>
+          </p:style>
+        </p:cxnSp>
+        <p:cxnSp>
+          <p:nvCxnSpPr>
+            <p:cNvPr id="52" name="Connecteur droit avec flèche 51"/>
+            <p:cNvCxnSpPr>
+              <a:stCxn id="42" idx="3"/>
+              <a:endCxn id="43" idx="1"/>
+            </p:cNvCxnSpPr>
+            <p:nvPr/>
+          </p:nvCxnSpPr>
+          <p:spPr>
+            <a:xfrm>
+              <a:off x="1066801" y="1209675"/>
+              <a:ext cx="333375" cy="0"/>
+            </a:xfrm>
+            <a:prstGeom prst="straightConnector1">
+              <a:avLst/>
+            </a:prstGeom>
+            <a:ln>
+              <a:tailEnd type="triangle"/>
+            </a:ln>
+          </p:spPr>
+          <p:style>
+            <a:lnRef idx="1">
+              <a:schemeClr val="accent1"/>
+            </a:lnRef>
+            <a:fillRef idx="0">
+              <a:schemeClr val="accent1"/>
+            </a:fillRef>
+            <a:effectRef idx="0">
+              <a:schemeClr val="accent1"/>
+            </a:effectRef>
+            <a:fontRef idx="minor">
+              <a:schemeClr val="tx1"/>
+            </a:fontRef>
+          </p:style>
+        </p:cxnSp>
+        <p:cxnSp>
+          <p:nvCxnSpPr>
+            <p:cNvPr id="53" name="Connecteur droit avec flèche 52"/>
+            <p:cNvCxnSpPr>
+              <a:stCxn id="42" idx="0"/>
+              <a:endCxn id="47" idx="2"/>
+            </p:cNvCxnSpPr>
+            <p:nvPr/>
+          </p:nvCxnSpPr>
+          <p:spPr>
+            <a:xfrm flipH="1" flipV="1">
+              <a:off x="566738" y="457200"/>
+              <a:ext cx="14288" cy="581025"/>
+            </a:xfrm>
+            <a:prstGeom prst="straightConnector1">
+              <a:avLst/>
+            </a:prstGeom>
+            <a:ln>
+              <a:tailEnd type="triangle"/>
+            </a:ln>
+          </p:spPr>
+          <p:style>
+            <a:lnRef idx="1">
+              <a:schemeClr val="accent1"/>
+            </a:lnRef>
+            <a:fillRef idx="0">
+              <a:schemeClr val="accent1"/>
+            </a:fillRef>
+            <a:effectRef idx="0">
+              <a:schemeClr val="accent1"/>
+            </a:effectRef>
+            <a:fontRef idx="minor">
+              <a:schemeClr val="tx1"/>
+            </a:fontRef>
+          </p:style>
+        </p:cxnSp>
+        <p:cxnSp>
+          <p:nvCxnSpPr>
+            <p:cNvPr id="54" name="Connecteur droit avec flèche 53"/>
+            <p:cNvCxnSpPr>
+              <a:stCxn id="43" idx="0"/>
+              <a:endCxn id="48" idx="2"/>
+            </p:cNvCxnSpPr>
+            <p:nvPr/>
+          </p:nvCxnSpPr>
+          <p:spPr>
+            <a:xfrm flipV="1">
+              <a:off x="1752601" y="542925"/>
+              <a:ext cx="14286" cy="495300"/>
+            </a:xfrm>
+            <a:prstGeom prst="straightConnector1">
+              <a:avLst/>
+            </a:prstGeom>
+            <a:ln>
+              <a:tailEnd type="triangle"/>
+            </a:ln>
+          </p:spPr>
+          <p:style>
+            <a:lnRef idx="1">
+              <a:schemeClr val="dk1"/>
+            </a:lnRef>
+            <a:fillRef idx="0">
+              <a:schemeClr val="dk1"/>
+            </a:fillRef>
+            <a:effectRef idx="0">
+              <a:schemeClr val="dk1"/>
+            </a:effectRef>
+            <a:fontRef idx="minor">
+              <a:schemeClr val="tx1"/>
+            </a:fontRef>
+          </p:style>
+        </p:cxnSp>
+        <p:cxnSp>
+          <p:nvCxnSpPr>
+            <p:cNvPr id="55" name="Connecteur droit avec flèche 54"/>
+            <p:cNvCxnSpPr>
+              <a:stCxn id="43" idx="0"/>
+              <a:endCxn id="47" idx="2"/>
+            </p:cNvCxnSpPr>
+            <p:nvPr/>
+          </p:nvCxnSpPr>
+          <p:spPr>
+            <a:xfrm flipH="1" flipV="1">
+              <a:off x="566738" y="457200"/>
+              <a:ext cx="1185863" cy="581025"/>
+            </a:xfrm>
+            <a:prstGeom prst="straightConnector1">
+              <a:avLst/>
+            </a:prstGeom>
+            <a:ln>
+              <a:tailEnd type="triangle"/>
+            </a:ln>
+          </p:spPr>
+          <p:style>
+            <a:lnRef idx="1">
+              <a:schemeClr val="accent1"/>
+            </a:lnRef>
+            <a:fillRef idx="0">
+              <a:schemeClr val="accent1"/>
+            </a:fillRef>
+            <a:effectRef idx="0">
+              <a:schemeClr val="accent1"/>
+            </a:effectRef>
+            <a:fontRef idx="minor">
+              <a:schemeClr val="tx1"/>
+            </a:fontRef>
+          </p:style>
+        </p:cxnSp>
+        <p:cxnSp>
+          <p:nvCxnSpPr>
+            <p:cNvPr id="56" name="Connecteur droit avec flèche 55"/>
+            <p:cNvCxnSpPr>
+              <a:stCxn id="42" idx="2"/>
+              <a:endCxn id="44" idx="0"/>
+            </p:cNvCxnSpPr>
+            <p:nvPr/>
+          </p:nvCxnSpPr>
+          <p:spPr>
+            <a:xfrm>
+              <a:off x="581026" y="1381125"/>
+              <a:ext cx="33337" cy="962026"/>
+            </a:xfrm>
+            <a:prstGeom prst="straightConnector1">
+              <a:avLst/>
+            </a:prstGeom>
+            <a:ln>
+              <a:tailEnd type="triangle"/>
+            </a:ln>
+          </p:spPr>
+          <p:style>
+            <a:lnRef idx="1">
+              <a:schemeClr val="accent2"/>
+            </a:lnRef>
+            <a:fillRef idx="0">
+              <a:schemeClr val="accent2"/>
+            </a:fillRef>
+            <a:effectRef idx="0">
+              <a:schemeClr val="accent2"/>
+            </a:effectRef>
+            <a:fontRef idx="minor">
+              <a:schemeClr val="tx1"/>
+            </a:fontRef>
+          </p:style>
+        </p:cxnSp>
+      </p:grpSp>
     </p:spTree>
     <p:extLst>
       <p:ext uri="{BB962C8B-B14F-4D97-AF65-F5344CB8AC3E}">
@@ -7605,6 +8395,13 @@
   <p:clrMapOvr>
     <a:masterClrMapping/>
   </p:clrMapOvr>
+  <p:timing>
+    <p:tnLst>
+      <p:par>
+        <p:cTn id="1" dur="indefinite" restart="never" nodeType="tmRoot"/>
+      </p:par>
+    </p:tnLst>
+  </p:timing>
 </p:sld>
 </file>
 
@@ -7860,6 +8657,13 @@
   <p:clrMapOvr>
     <a:masterClrMapping/>
   </p:clrMapOvr>
+  <p:timing>
+    <p:tnLst>
+      <p:par>
+        <p:cTn id="1" dur="indefinite" restart="never" nodeType="tmRoot"/>
+      </p:par>
+    </p:tnLst>
+  </p:timing>
 </p:sld>
 </file>
 
@@ -8080,11 +8884,7 @@
           <a:p>
             <a:r>
               <a:rPr lang="fr-FR" dirty="0" smtClean="0"/>
-              <a:t>Développement </a:t>
-            </a:r>
-            <a:r>
-              <a:rPr lang="fr-FR" dirty="0" smtClean="0"/>
-              <a:t>Java</a:t>
+              <a:t>Développement Java</a:t>
             </a:r>
           </a:p>
           <a:p>
@@ -8092,7 +8892,6 @@
               <a:rPr lang="fr-FR" dirty="0" smtClean="0"/>
               <a:t>Développement Web</a:t>
             </a:r>
-            <a:endParaRPr lang="fr-FR" dirty="0" smtClean="0"/>
           </a:p>
           <a:p>
             <a:pPr lvl="1"/>
@@ -8231,7 +9030,6 @@
               <a:rPr lang="fr-FR" dirty="0" smtClean="0"/>
               <a:t>Les acteurs</a:t>
             </a:r>
-            <a:endParaRPr lang="fr-FR" dirty="0" smtClean="0"/>
           </a:p>
           <a:p>
             <a:pPr lvl="2"/>
@@ -8253,7 +9051,6 @@
               <a:rPr lang="fr-FR" dirty="0" smtClean="0"/>
               <a:t>L’administrateur</a:t>
             </a:r>
-            <a:endParaRPr lang="fr-FR" dirty="0" smtClean="0"/>
           </a:p>
           <a:p>
             <a:pPr lvl="1"/>
@@ -8492,11 +9289,7 @@
           <a:p>
             <a:r>
               <a:rPr lang="fr-FR" dirty="0" smtClean="0"/>
-              <a:t>Diagramme de cas </a:t>
-            </a:r>
-            <a:r>
-              <a:rPr lang="fr-FR" dirty="0" smtClean="0"/>
-              <a:t>d’utilisation</a:t>
+              <a:t>Diagramme de cas d’utilisation</a:t>
             </a:r>
             <a:br>
               <a:rPr lang="fr-FR" dirty="0" smtClean="0"/>
@@ -8866,8 +9659,8 @@
         </p:blipFill>
         <p:spPr bwMode="auto">
           <a:xfrm>
-            <a:off x="4936568" y="514350"/>
-            <a:ext cx="4161952" cy="5527675"/>
+            <a:off x="4653887" y="259308"/>
+            <a:ext cx="4444633" cy="5882186"/>
           </a:xfrm>
           <a:prstGeom prst="rect">
             <a:avLst/>
@@ -9053,7 +9846,7 @@
 <file path=ppt/theme/theme1.xml><?xml version="1.0" encoding="utf-8"?>
 <a:theme xmlns:a="http://schemas.openxmlformats.org/drawingml/2006/main" name="Facette">
   <a:themeElements>
-    <a:clrScheme name="Bleu">
+    <a:clrScheme name="rock_n_clothes">
       <a:dk1>
         <a:sysClr val="windowText" lastClr="000000"/>
       </a:dk1>
@@ -9061,19 +9854,19 @@
         <a:sysClr val="window" lastClr="FFFFFF"/>
       </a:lt1>
       <a:dk2>
-        <a:srgbClr val="17406D"/>
+        <a:srgbClr val="282D31"/>
       </a:dk2>
       <a:lt2>
-        <a:srgbClr val="DBEFF9"/>
+        <a:srgbClr val="DCE6F0"/>
       </a:lt2>
       <a:accent1>
-        <a:srgbClr val="0F6FC6"/>
+        <a:srgbClr val="840000"/>
       </a:accent1>
       <a:accent2>
-        <a:srgbClr val="009DD9"/>
+        <a:srgbClr val="606973"/>
       </a:accent2>
       <a:accent3>
-        <a:srgbClr val="0BD0D9"/>
+        <a:srgbClr val="828C96"/>
       </a:accent3>
       <a:accent4>
         <a:srgbClr val="10CF9B"/>

--- a/Présentation.pptx
+++ b/Présentation.pptx
@@ -482,6 +482,90 @@
 </file>
 
 <file path=ppt/notesSlides/notesSlide1.xml><?xml version="1.0" encoding="utf-8"?>
+<p:notes xmlns:a="http://schemas.openxmlformats.org/drawingml/2006/main" xmlns:r="http://schemas.openxmlformats.org/officeDocument/2006/relationships" xmlns:p="http://schemas.openxmlformats.org/presentationml/2006/main">
+  <p:cSld>
+    <p:spTree>
+      <p:nvGrpSpPr>
+        <p:cNvPr id="1" name=""/>
+        <p:cNvGrpSpPr/>
+        <p:nvPr/>
+      </p:nvGrpSpPr>
+      <p:grpSpPr>
+        <a:xfrm>
+          <a:off x="0" y="0"/>
+          <a:ext cx="0" cy="0"/>
+          <a:chOff x="0" y="0"/>
+          <a:chExt cx="0" cy="0"/>
+        </a:xfrm>
+      </p:grpSpPr>
+      <p:sp>
+        <p:nvSpPr>
+          <p:cNvPr id="2" name="Espace réservé de l'image des diapositives 1"/>
+          <p:cNvSpPr>
+            <a:spLocks noGrp="1" noRot="1" noChangeAspect="1"/>
+          </p:cNvSpPr>
+          <p:nvPr>
+            <p:ph type="sldImg"/>
+          </p:nvPr>
+        </p:nvSpPr>
+        <p:spPr/>
+      </p:sp>
+      <p:sp>
+        <p:nvSpPr>
+          <p:cNvPr id="3" name="Espace réservé des commentaires 2"/>
+          <p:cNvSpPr>
+            <a:spLocks noGrp="1"/>
+          </p:cNvSpPr>
+          <p:nvPr>
+            <p:ph type="body" idx="1"/>
+          </p:nvPr>
+        </p:nvSpPr>
+        <p:spPr/>
+        <p:txBody>
+          <a:bodyPr/>
+          <a:lstStyle/>
+          <a:p>
+            <a:endParaRPr lang="fr-FR"/>
+          </a:p>
+        </p:txBody>
+      </p:sp>
+      <p:sp>
+        <p:nvSpPr>
+          <p:cNvPr id="4" name="Espace réservé du numéro de diapositive 3"/>
+          <p:cNvSpPr>
+            <a:spLocks noGrp="1"/>
+          </p:cNvSpPr>
+          <p:nvPr>
+            <p:ph type="sldNum" sz="quarter" idx="10"/>
+          </p:nvPr>
+        </p:nvSpPr>
+        <p:spPr/>
+        <p:txBody>
+          <a:bodyPr/>
+          <a:lstStyle/>
+          <a:p>
+            <a:fld id="{27A7883E-DA15-469A-A1A9-E8F964DD8A4A}" type="slidenum">
+              <a:rPr lang="fr-FR" smtClean="0"/>
+              <a:t>1</a:t>
+            </a:fld>
+            <a:endParaRPr lang="fr-FR"/>
+          </a:p>
+        </p:txBody>
+      </p:sp>
+    </p:spTree>
+    <p:extLst>
+      <p:ext uri="{BB962C8B-B14F-4D97-AF65-F5344CB8AC3E}">
+        <p14:creationId xmlns:p14="http://schemas.microsoft.com/office/powerpoint/2010/main" val="2483403787"/>
+      </p:ext>
+    </p:extLst>
+  </p:cSld>
+  <p:clrMapOvr>
+    <a:masterClrMapping/>
+  </p:clrMapOvr>
+</p:notes>
+</file>
+
+<file path=ppt/notesSlides/notesSlide2.xml><?xml version="1.0" encoding="utf-8"?>
 <p:notes xmlns:a="http://schemas.openxmlformats.org/drawingml/2006/main" xmlns:r="http://schemas.openxmlformats.org/officeDocument/2006/relationships" xmlns:p="http://schemas.openxmlformats.org/presentationml/2006/main">
   <p:cSld>
     <p:spTree>
@@ -1308,10 +1392,10 @@
           <a:bodyPr/>
           <a:lstStyle/>
           <a:p>
-            <a:r>
-              <a:rPr lang="fr-FR" smtClean="0"/>
-              <a:t>13/02/2015</a:t>
-            </a:r>
+            <a:fld id="{708B11D5-FAB1-4FD8-8170-D417F610F5B3}" type="datetime1">
+              <a:rPr lang="fr-FR" smtClean="0"/>
+              <a:t>19/06/2015</a:t>
+            </a:fld>
             <a:endParaRPr lang="fr-FR"/>
           </a:p>
         </p:txBody>
@@ -1559,10 +1643,10 @@
           <a:bodyPr/>
           <a:lstStyle/>
           <a:p>
-            <a:r>
-              <a:rPr lang="fr-FR" smtClean="0"/>
-              <a:t>13/02/2015</a:t>
-            </a:r>
+            <a:fld id="{0511603D-FDA5-4065-9F9B-A9BF40D1E1CD}" type="datetime1">
+              <a:rPr lang="fr-FR" smtClean="0"/>
+              <a:t>19/06/2015</a:t>
+            </a:fld>
             <a:endParaRPr lang="fr-FR"/>
           </a:p>
         </p:txBody>
@@ -1880,10 +1964,10 @@
           <a:bodyPr/>
           <a:lstStyle/>
           <a:p>
-            <a:r>
-              <a:rPr lang="fr-FR" smtClean="0"/>
-              <a:t>13/02/2015</a:t>
-            </a:r>
+            <a:fld id="{9718FE14-5EF0-454B-A1ED-6BBCB14B72E9}" type="datetime1">
+              <a:rPr lang="fr-FR" smtClean="0"/>
+              <a:t>19/06/2015</a:t>
+            </a:fld>
             <a:endParaRPr lang="fr-FR"/>
           </a:p>
         </p:txBody>
@@ -2220,10 +2304,10 @@
           <a:bodyPr/>
           <a:lstStyle/>
           <a:p>
-            <a:r>
-              <a:rPr lang="fr-FR" smtClean="0"/>
-              <a:t>13/02/2015</a:t>
-            </a:r>
+            <a:fld id="{9A50E5D3-803A-4351-B58A-86E83FB37430}" type="datetime1">
+              <a:rPr lang="fr-FR" smtClean="0"/>
+              <a:t>19/06/2015</a:t>
+            </a:fld>
             <a:endParaRPr lang="fr-FR"/>
           </a:p>
         </p:txBody>
@@ -2541,10 +2625,10 @@
           <a:bodyPr/>
           <a:lstStyle/>
           <a:p>
-            <a:r>
-              <a:rPr lang="fr-FR" smtClean="0"/>
-              <a:t>13/02/2015</a:t>
-            </a:r>
+            <a:fld id="{DF66DFD7-1A8F-4241-A006-8F0304BAA104}" type="datetime1">
+              <a:rPr lang="fr-FR" smtClean="0"/>
+              <a:t>19/06/2015</a:t>
+            </a:fld>
             <a:endParaRPr lang="fr-FR"/>
           </a:p>
         </p:txBody>
@@ -2934,10 +3018,10 @@
           <a:bodyPr/>
           <a:lstStyle/>
           <a:p>
-            <a:r>
-              <a:rPr lang="fr-FR" smtClean="0"/>
-              <a:t>13/02/2015</a:t>
-            </a:r>
+            <a:fld id="{F1CBCDB4-5918-4E7D-B0C2-BAEC2DBE87D8}" type="datetime1">
+              <a:rPr lang="fr-FR" smtClean="0"/>
+              <a:t>19/06/2015</a:t>
+            </a:fld>
             <a:endParaRPr lang="fr-FR"/>
           </a:p>
         </p:txBody>
@@ -3104,10 +3188,10 @@
           <a:bodyPr/>
           <a:lstStyle/>
           <a:p>
-            <a:r>
-              <a:rPr lang="fr-FR" smtClean="0"/>
-              <a:t>13/02/2015</a:t>
-            </a:r>
+            <a:fld id="{C8B4721D-5F02-48AD-99BF-D29283EE7ABA}" type="datetime1">
+              <a:rPr lang="fr-FR" smtClean="0"/>
+              <a:t>19/06/2015</a:t>
+            </a:fld>
             <a:endParaRPr lang="fr-FR"/>
           </a:p>
         </p:txBody>
@@ -3284,10 +3368,10 @@
           <a:bodyPr/>
           <a:lstStyle/>
           <a:p>
-            <a:r>
-              <a:rPr lang="fr-FR" smtClean="0"/>
-              <a:t>13/02/2015</a:t>
-            </a:r>
+            <a:fld id="{93D79AD0-D300-4E19-BF5B-919686627CBE}" type="datetime1">
+              <a:rPr lang="fr-FR" smtClean="0"/>
+              <a:t>19/06/2015</a:t>
+            </a:fld>
             <a:endParaRPr lang="fr-FR"/>
           </a:p>
         </p:txBody>
@@ -3454,10 +3538,10 @@
           <a:bodyPr/>
           <a:lstStyle/>
           <a:p>
-            <a:r>
-              <a:rPr lang="fr-FR" smtClean="0"/>
-              <a:t>13/02/2015</a:t>
-            </a:r>
+            <a:fld id="{A8820F06-91DB-439E-8167-302FEFA49B98}" type="datetime1">
+              <a:rPr lang="fr-FR" smtClean="0"/>
+              <a:t>19/06/2015</a:t>
+            </a:fld>
             <a:endParaRPr lang="fr-FR"/>
           </a:p>
         </p:txBody>
@@ -3701,10 +3785,10 @@
           <a:bodyPr/>
           <a:lstStyle/>
           <a:p>
-            <a:r>
-              <a:rPr lang="fr-FR" smtClean="0"/>
-              <a:t>13/02/2015</a:t>
-            </a:r>
+            <a:fld id="{5F25EAF0-E53A-4DD3-8E5A-A104549FFBB4}" type="datetime1">
+              <a:rPr lang="fr-FR" smtClean="0"/>
+              <a:t>19/06/2015</a:t>
+            </a:fld>
             <a:endParaRPr lang="fr-FR"/>
           </a:p>
         </p:txBody>
@@ -3940,10 +4024,10 @@
           <a:bodyPr/>
           <a:lstStyle/>
           <a:p>
-            <a:r>
-              <a:rPr lang="fr-FR" smtClean="0"/>
-              <a:t>13/02/2015</a:t>
-            </a:r>
+            <a:fld id="{CAFE1329-ED90-4FF9-90EB-277C3645C85A}" type="datetime1">
+              <a:rPr lang="fr-FR" smtClean="0"/>
+              <a:t>19/06/2015</a:t>
+            </a:fld>
             <a:endParaRPr lang="fr-FR"/>
           </a:p>
         </p:txBody>
@@ -4314,10 +4398,10 @@
           <a:bodyPr/>
           <a:lstStyle/>
           <a:p>
-            <a:r>
-              <a:rPr lang="fr-FR" smtClean="0"/>
-              <a:t>13/02/2015</a:t>
-            </a:r>
+            <a:fld id="{EECEAD74-086C-489E-98FD-3EDAA5296238}" type="datetime1">
+              <a:rPr lang="fr-FR" smtClean="0"/>
+              <a:t>19/06/2015</a:t>
+            </a:fld>
             <a:endParaRPr lang="fr-FR"/>
           </a:p>
         </p:txBody>
@@ -4437,10 +4521,10 @@
           <a:bodyPr/>
           <a:lstStyle/>
           <a:p>
-            <a:r>
-              <a:rPr lang="fr-FR" smtClean="0"/>
-              <a:t>13/02/2015</a:t>
-            </a:r>
+            <a:fld id="{BD85923A-15F8-4E21-9C1B-607AF27DED26}" type="datetime1">
+              <a:rPr lang="fr-FR" smtClean="0"/>
+              <a:t>19/06/2015</a:t>
+            </a:fld>
             <a:endParaRPr lang="fr-FR"/>
           </a:p>
         </p:txBody>
@@ -4532,10 +4616,10 @@
           <a:bodyPr/>
           <a:lstStyle/>
           <a:p>
-            <a:r>
-              <a:rPr lang="fr-FR" smtClean="0"/>
-              <a:t>13/02/2015</a:t>
-            </a:r>
+            <a:fld id="{F5920D68-1C33-4753-8260-D7846DF9181D}" type="datetime1">
+              <a:rPr lang="fr-FR" smtClean="0"/>
+              <a:t>19/06/2015</a:t>
+            </a:fld>
             <a:endParaRPr lang="fr-FR"/>
           </a:p>
         </p:txBody>
@@ -5077,10 +5161,10 @@
           <a:bodyPr/>
           <a:lstStyle/>
           <a:p>
-            <a:r>
-              <a:rPr lang="fr-FR" smtClean="0"/>
-              <a:t>13/02/2015</a:t>
-            </a:r>
+            <a:fld id="{AA6BFC7C-FBE9-4D20-9FF8-33244D198557}" type="datetime1">
+              <a:rPr lang="fr-FR" smtClean="0"/>
+              <a:t>19/06/2015</a:t>
+            </a:fld>
             <a:endParaRPr lang="fr-FR"/>
           </a:p>
         </p:txBody>
@@ -5389,10 +5473,10 @@
           <a:bodyPr/>
           <a:lstStyle/>
           <a:p>
-            <a:r>
-              <a:rPr lang="fr-FR" smtClean="0"/>
-              <a:t>13/02/2015</a:t>
-            </a:r>
+            <a:fld id="{04D6506A-8EC5-4097-BE58-9BC57FB57846}" type="datetime1">
+              <a:rPr lang="fr-FR" smtClean="0"/>
+              <a:t>19/06/2015</a:t>
+            </a:fld>
             <a:endParaRPr lang="fr-FR"/>
           </a:p>
         </p:txBody>
@@ -6091,10 +6175,10 @@
             </a:lvl1pPr>
           </a:lstStyle>
           <a:p>
-            <a:r>
-              <a:rPr lang="fr-FR" smtClean="0"/>
-              <a:t>13/02/2015</a:t>
-            </a:r>
+            <a:fld id="{32C5DBDB-B4A1-4E68-B433-36E385FA7197}" type="datetime1">
+              <a:rPr lang="fr-FR" smtClean="0"/>
+              <a:t>19/06/2015</a:t>
+            </a:fld>
             <a:endParaRPr lang="fr-FR" dirty="0"/>
           </a:p>
         </p:txBody>
@@ -6720,10 +6804,10 @@
           <a:bodyPr/>
           <a:lstStyle/>
           <a:p>
-            <a:r>
-              <a:rPr lang="fr-FR" smtClean="0"/>
-              <a:t>13/02/2015</a:t>
-            </a:r>
+            <a:fld id="{D3233BE3-4C0B-4255-A88D-4EEEC6DB2953}" type="datetime1">
+              <a:rPr lang="fr-FR" smtClean="0"/>
+              <a:t>19/06/2015</a:t>
+            </a:fld>
             <a:endParaRPr lang="fr-FR"/>
           </a:p>
         </p:txBody>
@@ -6760,7 +6844,7 @@
           <p:nvPr/>
         </p:nvPicPr>
         <p:blipFill>
-          <a:blip r:embed="rId2">
+          <a:blip r:embed="rId3">
             <a:extLst>
               <a:ext uri="{28A0092B-C50C-407E-A947-70E740481C1C}">
                 <a14:useLocalDpi xmlns:a14="http://schemas.microsoft.com/office/drawing/2010/main" val="0"/>
@@ -6870,10 +6954,10 @@
           <a:bodyPr/>
           <a:lstStyle/>
           <a:p>
-            <a:r>
-              <a:rPr lang="fr-FR" smtClean="0"/>
-              <a:t>13/02/2015</a:t>
-            </a:r>
+            <a:fld id="{B4C0FDED-EC0B-4C59-8FD8-51AD2ED91198}" type="datetime1">
+              <a:rPr lang="fr-FR" smtClean="0"/>
+              <a:t>19/06/2015</a:t>
+            </a:fld>
             <a:endParaRPr lang="fr-FR"/>
           </a:p>
         </p:txBody>
@@ -7009,10 +7093,10 @@
           <a:bodyPr/>
           <a:lstStyle/>
           <a:p>
-            <a:r>
-              <a:rPr lang="fr-FR" smtClean="0"/>
-              <a:t>13/02/2015</a:t>
-            </a:r>
+            <a:fld id="{636E536C-680F-43C7-A241-5B4E0ACF99A5}" type="datetime1">
+              <a:rPr lang="fr-FR" smtClean="0"/>
+              <a:t>19/06/2015</a:t>
+            </a:fld>
             <a:endParaRPr lang="fr-FR"/>
           </a:p>
         </p:txBody>
@@ -7176,10 +7260,10 @@
           <a:bodyPr/>
           <a:lstStyle/>
           <a:p>
-            <a:r>
-              <a:rPr lang="fr-FR" smtClean="0"/>
-              <a:t>13/02/2015</a:t>
-            </a:r>
+            <a:fld id="{2DD81289-F393-49B9-8E2A-0EACCAAFFA75}" type="datetime1">
+              <a:rPr lang="fr-FR" smtClean="0"/>
+              <a:t>19/06/2015</a:t>
+            </a:fld>
             <a:endParaRPr lang="fr-FR"/>
           </a:p>
         </p:txBody>
@@ -7319,10 +7403,10 @@
           <a:bodyPr/>
           <a:lstStyle/>
           <a:p>
-            <a:r>
-              <a:rPr lang="fr-FR" smtClean="0"/>
-              <a:t>13/02/2015</a:t>
-            </a:r>
+            <a:fld id="{8C15CCE8-A220-4D68-A1EC-027069ACB19C}" type="datetime1">
+              <a:rPr lang="fr-FR" smtClean="0"/>
+              <a:t>19/06/2015</a:t>
+            </a:fld>
             <a:endParaRPr lang="fr-FR"/>
           </a:p>
         </p:txBody>
@@ -7478,10 +7562,10 @@
           <a:bodyPr/>
           <a:lstStyle/>
           <a:p>
-            <a:r>
-              <a:rPr lang="fr-FR" smtClean="0"/>
-              <a:t>13/02/2015</a:t>
-            </a:r>
+            <a:fld id="{D0DA2825-7AB6-4102-8416-60861DD4355E}" type="datetime1">
+              <a:rPr lang="fr-FR" smtClean="0"/>
+              <a:t>19/06/2015</a:t>
+            </a:fld>
             <a:endParaRPr lang="fr-FR"/>
           </a:p>
         </p:txBody>
@@ -7603,10 +7687,10 @@
           <a:bodyPr/>
           <a:lstStyle/>
           <a:p>
-            <a:r>
-              <a:rPr lang="fr-FR" smtClean="0"/>
-              <a:t>13/02/2015</a:t>
-            </a:r>
+            <a:fld id="{B3956924-0CA6-4D61-AB49-F7A0DA919D01}" type="datetime1">
+              <a:rPr lang="fr-FR" smtClean="0"/>
+              <a:t>19/06/2015</a:t>
+            </a:fld>
             <a:endParaRPr lang="fr-FR"/>
           </a:p>
         </p:txBody>
@@ -8491,10 +8575,10 @@
           <a:bodyPr/>
           <a:lstStyle/>
           <a:p>
-            <a:r>
-              <a:rPr lang="fr-FR" smtClean="0"/>
-              <a:t>13/02/2015</a:t>
-            </a:r>
+            <a:fld id="{D7D84DC6-4F00-46A9-8506-2122CA1D9AD2}" type="datetime1">
+              <a:rPr lang="fr-FR" smtClean="0"/>
+              <a:t>19/06/2015</a:t>
+            </a:fld>
             <a:endParaRPr lang="fr-FR"/>
           </a:p>
         </p:txBody>
@@ -8616,10 +8700,10 @@
           <a:bodyPr/>
           <a:lstStyle/>
           <a:p>
-            <a:r>
-              <a:rPr lang="fr-FR" smtClean="0"/>
-              <a:t>13/02/2015</a:t>
-            </a:r>
+            <a:fld id="{1D37CC3F-190B-470C-9983-F9C84DA7ED6C}" type="datetime1">
+              <a:rPr lang="fr-FR" smtClean="0"/>
+              <a:t>19/06/2015</a:t>
+            </a:fld>
             <a:endParaRPr lang="fr-FR"/>
           </a:p>
         </p:txBody>
@@ -8758,10 +8842,10 @@
           <a:bodyPr/>
           <a:lstStyle/>
           <a:p>
-            <a:r>
-              <a:rPr lang="fr-FR" smtClean="0"/>
-              <a:t>13/02/2015</a:t>
-            </a:r>
+            <a:fld id="{EB378CDE-C7BD-47BA-B050-D29A35B835B2}" type="datetime1">
+              <a:rPr lang="fr-FR" smtClean="0"/>
+              <a:t>19/06/2015</a:t>
+            </a:fld>
             <a:endParaRPr lang="fr-FR"/>
           </a:p>
         </p:txBody>
@@ -8914,10 +8998,10 @@
           <a:bodyPr/>
           <a:lstStyle/>
           <a:p>
-            <a:r>
-              <a:rPr lang="fr-FR" smtClean="0"/>
-              <a:t>13/02/2015</a:t>
-            </a:r>
+            <a:fld id="{504C1F49-1C80-4515-B757-50FC38149C27}" type="datetime1">
+              <a:rPr lang="fr-FR" smtClean="0"/>
+              <a:t>19/06/2015</a:t>
+            </a:fld>
             <a:endParaRPr lang="fr-FR"/>
           </a:p>
         </p:txBody>
@@ -9058,6 +9142,52 @@
           </a:p>
         </p:txBody>
       </p:sp>
+      <p:sp>
+        <p:nvSpPr>
+          <p:cNvPr id="4" name="Espace réservé de la date 3"/>
+          <p:cNvSpPr>
+            <a:spLocks noGrp="1"/>
+          </p:cNvSpPr>
+          <p:nvPr>
+            <p:ph type="dt" sz="half" idx="10"/>
+          </p:nvPr>
+        </p:nvSpPr>
+        <p:spPr/>
+        <p:txBody>
+          <a:bodyPr/>
+          <a:lstStyle/>
+          <a:p>
+            <a:fld id="{FBA23C2E-7F2F-44D2-8419-1C58BB315198}" type="datetime1">
+              <a:rPr lang="fr-FR" smtClean="0"/>
+              <a:t>19/06/2015</a:t>
+            </a:fld>
+            <a:endParaRPr lang="fr-FR"/>
+          </a:p>
+        </p:txBody>
+      </p:sp>
+      <p:sp>
+        <p:nvSpPr>
+          <p:cNvPr id="5" name="Espace réservé du numéro de diapositive 4"/>
+          <p:cNvSpPr>
+            <a:spLocks noGrp="1"/>
+          </p:cNvSpPr>
+          <p:nvPr>
+            <p:ph type="sldNum" sz="quarter" idx="12"/>
+          </p:nvPr>
+        </p:nvSpPr>
+        <p:spPr/>
+        <p:txBody>
+          <a:bodyPr/>
+          <a:lstStyle/>
+          <a:p>
+            <a:fld id="{D74186CF-AB3C-46BB-BBED-0FD9A83C3C1F}" type="slidenum">
+              <a:rPr lang="fr-FR" smtClean="0"/>
+              <a:t>4</a:t>
+            </a:fld>
+            <a:endParaRPr lang="fr-FR"/>
+          </a:p>
+        </p:txBody>
+      </p:sp>
     </p:spTree>
     <p:extLst>
       <p:ext uri="{BB962C8B-B14F-4D97-AF65-F5344CB8AC3E}">
@@ -9169,10 +9299,10 @@
           <a:bodyPr/>
           <a:lstStyle/>
           <a:p>
-            <a:r>
-              <a:rPr lang="fr-FR" smtClean="0"/>
-              <a:t>13/02/2015</a:t>
-            </a:r>
+            <a:fld id="{88DAE5E6-48EA-4FB7-8A10-0527C570BBD7}" type="datetime1">
+              <a:rPr lang="fr-FR" smtClean="0"/>
+              <a:t>19/06/2015</a:t>
+            </a:fld>
             <a:endParaRPr lang="fr-FR"/>
           </a:p>
         </p:txBody>
@@ -9320,10 +9450,10 @@
           <a:bodyPr/>
           <a:lstStyle/>
           <a:p>
-            <a:r>
-              <a:rPr lang="fr-FR" smtClean="0"/>
-              <a:t>13/02/2015</a:t>
-            </a:r>
+            <a:fld id="{EBEA729D-A8C1-4537-91CC-280665BB6F67}" type="datetime1">
+              <a:rPr lang="fr-FR" smtClean="0"/>
+              <a:t>19/06/2015</a:t>
+            </a:fld>
             <a:endParaRPr lang="fr-FR"/>
           </a:p>
         </p:txBody>
@@ -9432,10 +9562,10 @@
           <a:bodyPr/>
           <a:lstStyle/>
           <a:p>
-            <a:r>
-              <a:rPr lang="fr-FR" smtClean="0"/>
-              <a:t>13/02/2015</a:t>
-            </a:r>
+            <a:fld id="{EA741862-5B89-4282-AB4C-69F94B55A1BC}" type="datetime1">
+              <a:rPr lang="fr-FR" smtClean="0"/>
+              <a:t>19/06/2015</a:t>
+            </a:fld>
             <a:endParaRPr lang="fr-FR"/>
           </a:p>
         </p:txBody>
@@ -9611,10 +9741,10 @@
           <a:bodyPr/>
           <a:lstStyle/>
           <a:p>
-            <a:r>
-              <a:rPr lang="fr-FR" smtClean="0"/>
-              <a:t>13/02/2015</a:t>
-            </a:r>
+            <a:fld id="{42245B22-86CD-4573-89AA-0A17D2374090}" type="datetime1">
+              <a:rPr lang="fr-FR" smtClean="0"/>
+              <a:t>19/06/2015</a:t>
+            </a:fld>
             <a:endParaRPr lang="fr-FR"/>
           </a:p>
         </p:txBody>
@@ -9792,10 +9922,10 @@
           <a:bodyPr/>
           <a:lstStyle/>
           <a:p>
-            <a:r>
-              <a:rPr lang="fr-FR" smtClean="0"/>
-              <a:t>13/02/2015</a:t>
-            </a:r>
+            <a:fld id="{A3F0C24B-F6D9-43B2-9E90-798017768028}" type="datetime1">
+              <a:rPr lang="fr-FR" smtClean="0"/>
+              <a:t>19/06/2015</a:t>
+            </a:fld>
             <a:endParaRPr lang="fr-FR"/>
           </a:p>
         </p:txBody>

--- a/Présentation.pptx
+++ b/Présentation.pptx
@@ -5,7 +5,7 @@
     <p:sldMasterId id="2147483783" r:id="rId1"/>
   </p:sldMasterIdLst>
   <p:notesMasterIdLst>
-    <p:notesMasterId r:id="rId19"/>
+    <p:notesMasterId r:id="rId22"/>
   </p:notesMasterIdLst>
   <p:sldIdLst>
     <p:sldId id="256" r:id="rId2"/>
@@ -18,13 +18,16 @@
     <p:sldId id="263" r:id="rId9"/>
     <p:sldId id="284" r:id="rId10"/>
     <p:sldId id="265" r:id="rId11"/>
-    <p:sldId id="257" r:id="rId12"/>
-    <p:sldId id="272" r:id="rId13"/>
-    <p:sldId id="285" r:id="rId14"/>
-    <p:sldId id="286" r:id="rId15"/>
-    <p:sldId id="287" r:id="rId16"/>
-    <p:sldId id="258" r:id="rId17"/>
-    <p:sldId id="288" r:id="rId18"/>
+    <p:sldId id="289" r:id="rId12"/>
+    <p:sldId id="257" r:id="rId13"/>
+    <p:sldId id="272" r:id="rId14"/>
+    <p:sldId id="290" r:id="rId15"/>
+    <p:sldId id="291" r:id="rId16"/>
+    <p:sldId id="285" r:id="rId17"/>
+    <p:sldId id="286" r:id="rId18"/>
+    <p:sldId id="287" r:id="rId19"/>
+    <p:sldId id="258" r:id="rId20"/>
+    <p:sldId id="288" r:id="rId21"/>
   </p:sldIdLst>
   <p:sldSz cx="12192000" cy="6858000"/>
   <p:notesSz cx="6858000" cy="9144000"/>
@@ -525,7 +528,11 @@
           <a:bodyPr/>
           <a:lstStyle/>
           <a:p>
-            <a:endParaRPr lang="fr-FR"/>
+            <a:r>
+              <a:rPr lang="fr-FR" dirty="0" smtClean="0"/>
+              <a:t>Cyril</a:t>
+            </a:r>
+            <a:endParaRPr lang="fr-FR" dirty="0"/>
           </a:p>
         </p:txBody>
       </p:sp>
@@ -556,6 +563,630 @@
     <p:extLst>
       <p:ext uri="{BB962C8B-B14F-4D97-AF65-F5344CB8AC3E}">
         <p14:creationId xmlns:p14="http://schemas.microsoft.com/office/powerpoint/2010/main" val="2483403787"/>
+      </p:ext>
+    </p:extLst>
+  </p:cSld>
+  <p:clrMapOvr>
+    <a:masterClrMapping/>
+  </p:clrMapOvr>
+</p:notes>
+</file>
+
+<file path=ppt/notesSlides/notesSlide10.xml><?xml version="1.0" encoding="utf-8"?>
+<p:notes xmlns:a="http://schemas.openxmlformats.org/drawingml/2006/main" xmlns:r="http://schemas.openxmlformats.org/officeDocument/2006/relationships" xmlns:p="http://schemas.openxmlformats.org/presentationml/2006/main">
+  <p:cSld>
+    <p:spTree>
+      <p:nvGrpSpPr>
+        <p:cNvPr id="1" name=""/>
+        <p:cNvGrpSpPr/>
+        <p:nvPr/>
+      </p:nvGrpSpPr>
+      <p:grpSpPr>
+        <a:xfrm>
+          <a:off x="0" y="0"/>
+          <a:ext cx="0" cy="0"/>
+          <a:chOff x="0" y="0"/>
+          <a:chExt cx="0" cy="0"/>
+        </a:xfrm>
+      </p:grpSpPr>
+      <p:sp>
+        <p:nvSpPr>
+          <p:cNvPr id="2" name="Espace réservé de l'image des diapositives 1"/>
+          <p:cNvSpPr>
+            <a:spLocks noGrp="1" noRot="1" noChangeAspect="1"/>
+          </p:cNvSpPr>
+          <p:nvPr>
+            <p:ph type="sldImg"/>
+          </p:nvPr>
+        </p:nvSpPr>
+        <p:spPr/>
+      </p:sp>
+      <p:sp>
+        <p:nvSpPr>
+          <p:cNvPr id="3" name="Espace réservé des commentaires 2"/>
+          <p:cNvSpPr>
+            <a:spLocks noGrp="1"/>
+          </p:cNvSpPr>
+          <p:nvPr>
+            <p:ph type="body" idx="1"/>
+          </p:nvPr>
+        </p:nvSpPr>
+        <p:spPr/>
+        <p:txBody>
+          <a:bodyPr/>
+          <a:lstStyle/>
+          <a:p>
+            <a:r>
+              <a:rPr lang="fr-FR" dirty="0" smtClean="0"/>
+              <a:t>Corentin</a:t>
+            </a:r>
+            <a:endParaRPr lang="fr-FR" dirty="0"/>
+          </a:p>
+        </p:txBody>
+      </p:sp>
+      <p:sp>
+        <p:nvSpPr>
+          <p:cNvPr id="4" name="Espace réservé du numéro de diapositive 3"/>
+          <p:cNvSpPr>
+            <a:spLocks noGrp="1"/>
+          </p:cNvSpPr>
+          <p:nvPr>
+            <p:ph type="sldNum" sz="quarter" idx="10"/>
+          </p:nvPr>
+        </p:nvSpPr>
+        <p:spPr/>
+        <p:txBody>
+          <a:bodyPr/>
+          <a:lstStyle/>
+          <a:p>
+            <a:fld id="{27A7883E-DA15-469A-A1A9-E8F964DD8A4A}" type="slidenum">
+              <a:rPr lang="fr-FR" smtClean="0"/>
+              <a:t>11</a:t>
+            </a:fld>
+            <a:endParaRPr lang="fr-FR"/>
+          </a:p>
+        </p:txBody>
+      </p:sp>
+    </p:spTree>
+    <p:extLst>
+      <p:ext uri="{BB962C8B-B14F-4D97-AF65-F5344CB8AC3E}">
+        <p14:creationId xmlns:p14="http://schemas.microsoft.com/office/powerpoint/2010/main" val="2750783903"/>
+      </p:ext>
+    </p:extLst>
+  </p:cSld>
+  <p:clrMapOvr>
+    <a:masterClrMapping/>
+  </p:clrMapOvr>
+</p:notes>
+</file>
+
+<file path=ppt/notesSlides/notesSlide11.xml><?xml version="1.0" encoding="utf-8"?>
+<p:notes xmlns:a="http://schemas.openxmlformats.org/drawingml/2006/main" xmlns:r="http://schemas.openxmlformats.org/officeDocument/2006/relationships" xmlns:p="http://schemas.openxmlformats.org/presentationml/2006/main">
+  <p:cSld>
+    <p:spTree>
+      <p:nvGrpSpPr>
+        <p:cNvPr id="1" name=""/>
+        <p:cNvGrpSpPr/>
+        <p:nvPr/>
+      </p:nvGrpSpPr>
+      <p:grpSpPr>
+        <a:xfrm>
+          <a:off x="0" y="0"/>
+          <a:ext cx="0" cy="0"/>
+          <a:chOff x="0" y="0"/>
+          <a:chExt cx="0" cy="0"/>
+        </a:xfrm>
+      </p:grpSpPr>
+      <p:sp>
+        <p:nvSpPr>
+          <p:cNvPr id="2" name="Espace réservé de l'image des diapositives 1"/>
+          <p:cNvSpPr>
+            <a:spLocks noGrp="1" noRot="1" noChangeAspect="1"/>
+          </p:cNvSpPr>
+          <p:nvPr>
+            <p:ph type="sldImg"/>
+          </p:nvPr>
+        </p:nvSpPr>
+        <p:spPr/>
+      </p:sp>
+      <p:sp>
+        <p:nvSpPr>
+          <p:cNvPr id="3" name="Espace réservé des commentaires 2"/>
+          <p:cNvSpPr>
+            <a:spLocks noGrp="1"/>
+          </p:cNvSpPr>
+          <p:nvPr>
+            <p:ph type="body" idx="1"/>
+          </p:nvPr>
+        </p:nvSpPr>
+        <p:spPr/>
+        <p:txBody>
+          <a:bodyPr/>
+          <a:lstStyle/>
+          <a:p>
+            <a:r>
+              <a:rPr lang="fr-FR" dirty="0" err="1" smtClean="0"/>
+              <a:t>Racel</a:t>
+            </a:r>
+            <a:endParaRPr lang="fr-FR" dirty="0"/>
+          </a:p>
+        </p:txBody>
+      </p:sp>
+      <p:sp>
+        <p:nvSpPr>
+          <p:cNvPr id="4" name="Espace réservé du numéro de diapositive 3"/>
+          <p:cNvSpPr>
+            <a:spLocks noGrp="1"/>
+          </p:cNvSpPr>
+          <p:nvPr>
+            <p:ph type="sldNum" sz="quarter" idx="10"/>
+          </p:nvPr>
+        </p:nvSpPr>
+        <p:spPr/>
+        <p:txBody>
+          <a:bodyPr/>
+          <a:lstStyle/>
+          <a:p>
+            <a:fld id="{27A7883E-DA15-469A-A1A9-E8F964DD8A4A}" type="slidenum">
+              <a:rPr lang="fr-FR" smtClean="0"/>
+              <a:t>12</a:t>
+            </a:fld>
+            <a:endParaRPr lang="fr-FR"/>
+          </a:p>
+        </p:txBody>
+      </p:sp>
+    </p:spTree>
+    <p:extLst>
+      <p:ext uri="{BB962C8B-B14F-4D97-AF65-F5344CB8AC3E}">
+        <p14:creationId xmlns:p14="http://schemas.microsoft.com/office/powerpoint/2010/main" val="1724213101"/>
+      </p:ext>
+    </p:extLst>
+  </p:cSld>
+  <p:clrMapOvr>
+    <a:masterClrMapping/>
+  </p:clrMapOvr>
+</p:notes>
+</file>
+
+<file path=ppt/notesSlides/notesSlide12.xml><?xml version="1.0" encoding="utf-8"?>
+<p:notes xmlns:a="http://schemas.openxmlformats.org/drawingml/2006/main" xmlns:r="http://schemas.openxmlformats.org/officeDocument/2006/relationships" xmlns:p="http://schemas.openxmlformats.org/presentationml/2006/main">
+  <p:cSld>
+    <p:spTree>
+      <p:nvGrpSpPr>
+        <p:cNvPr id="1" name=""/>
+        <p:cNvGrpSpPr/>
+        <p:nvPr/>
+      </p:nvGrpSpPr>
+      <p:grpSpPr>
+        <a:xfrm>
+          <a:off x="0" y="0"/>
+          <a:ext cx="0" cy="0"/>
+          <a:chOff x="0" y="0"/>
+          <a:chExt cx="0" cy="0"/>
+        </a:xfrm>
+      </p:grpSpPr>
+      <p:sp>
+        <p:nvSpPr>
+          <p:cNvPr id="2" name="Espace réservé de l'image des diapositives 1"/>
+          <p:cNvSpPr>
+            <a:spLocks noGrp="1" noRot="1" noChangeAspect="1"/>
+          </p:cNvSpPr>
+          <p:nvPr>
+            <p:ph type="sldImg"/>
+          </p:nvPr>
+        </p:nvSpPr>
+        <p:spPr/>
+      </p:sp>
+      <p:sp>
+        <p:nvSpPr>
+          <p:cNvPr id="3" name="Espace réservé des commentaires 2"/>
+          <p:cNvSpPr>
+            <a:spLocks noGrp="1"/>
+          </p:cNvSpPr>
+          <p:nvPr>
+            <p:ph type="body" idx="1"/>
+          </p:nvPr>
+        </p:nvSpPr>
+        <p:spPr/>
+        <p:txBody>
+          <a:bodyPr/>
+          <a:lstStyle/>
+          <a:p>
+            <a:r>
+              <a:rPr lang="fr-FR" dirty="0" err="1" smtClean="0"/>
+              <a:t>Racel</a:t>
+            </a:r>
+            <a:r>
+              <a:rPr lang="fr-FR" baseline="0" dirty="0" smtClean="0"/>
+              <a:t> + </a:t>
+            </a:r>
+            <a:r>
+              <a:rPr lang="fr-FR" baseline="0" dirty="0" err="1" smtClean="0"/>
+              <a:t>cyril</a:t>
+            </a:r>
+            <a:endParaRPr lang="fr-FR" dirty="0"/>
+          </a:p>
+        </p:txBody>
+      </p:sp>
+      <p:sp>
+        <p:nvSpPr>
+          <p:cNvPr id="4" name="Espace réservé du numéro de diapositive 3"/>
+          <p:cNvSpPr>
+            <a:spLocks noGrp="1"/>
+          </p:cNvSpPr>
+          <p:nvPr>
+            <p:ph type="sldNum" sz="quarter" idx="10"/>
+          </p:nvPr>
+        </p:nvSpPr>
+        <p:spPr/>
+        <p:txBody>
+          <a:bodyPr/>
+          <a:lstStyle/>
+          <a:p>
+            <a:fld id="{27A7883E-DA15-469A-A1A9-E8F964DD8A4A}" type="slidenum">
+              <a:rPr lang="fr-FR" smtClean="0"/>
+              <a:t>14</a:t>
+            </a:fld>
+            <a:endParaRPr lang="fr-FR"/>
+          </a:p>
+        </p:txBody>
+      </p:sp>
+    </p:spTree>
+    <p:extLst>
+      <p:ext uri="{BB962C8B-B14F-4D97-AF65-F5344CB8AC3E}">
+        <p14:creationId xmlns:p14="http://schemas.microsoft.com/office/powerpoint/2010/main" val="2145686604"/>
+      </p:ext>
+    </p:extLst>
+  </p:cSld>
+  <p:clrMapOvr>
+    <a:masterClrMapping/>
+  </p:clrMapOvr>
+</p:notes>
+</file>
+
+<file path=ppt/notesSlides/notesSlide13.xml><?xml version="1.0" encoding="utf-8"?>
+<p:notes xmlns:a="http://schemas.openxmlformats.org/drawingml/2006/main" xmlns:r="http://schemas.openxmlformats.org/officeDocument/2006/relationships" xmlns:p="http://schemas.openxmlformats.org/presentationml/2006/main">
+  <p:cSld>
+    <p:spTree>
+      <p:nvGrpSpPr>
+        <p:cNvPr id="1" name=""/>
+        <p:cNvGrpSpPr/>
+        <p:nvPr/>
+      </p:nvGrpSpPr>
+      <p:grpSpPr>
+        <a:xfrm>
+          <a:off x="0" y="0"/>
+          <a:ext cx="0" cy="0"/>
+          <a:chOff x="0" y="0"/>
+          <a:chExt cx="0" cy="0"/>
+        </a:xfrm>
+      </p:grpSpPr>
+      <p:sp>
+        <p:nvSpPr>
+          <p:cNvPr id="2" name="Espace réservé de l'image des diapositives 1"/>
+          <p:cNvSpPr>
+            <a:spLocks noGrp="1" noRot="1" noChangeAspect="1"/>
+          </p:cNvSpPr>
+          <p:nvPr>
+            <p:ph type="sldImg"/>
+          </p:nvPr>
+        </p:nvSpPr>
+        <p:spPr/>
+      </p:sp>
+      <p:sp>
+        <p:nvSpPr>
+          <p:cNvPr id="3" name="Espace réservé des commentaires 2"/>
+          <p:cNvSpPr>
+            <a:spLocks noGrp="1"/>
+          </p:cNvSpPr>
+          <p:nvPr>
+            <p:ph type="body" idx="1"/>
+          </p:nvPr>
+        </p:nvSpPr>
+        <p:spPr/>
+        <p:txBody>
+          <a:bodyPr/>
+          <a:lstStyle/>
+          <a:p>
+            <a:r>
+              <a:rPr lang="fr-FR" dirty="0" smtClean="0"/>
+              <a:t>Cyril</a:t>
+            </a:r>
+            <a:endParaRPr lang="fr-FR" dirty="0"/>
+          </a:p>
+        </p:txBody>
+      </p:sp>
+      <p:sp>
+        <p:nvSpPr>
+          <p:cNvPr id="4" name="Espace réservé du numéro de diapositive 3"/>
+          <p:cNvSpPr>
+            <a:spLocks noGrp="1"/>
+          </p:cNvSpPr>
+          <p:nvPr>
+            <p:ph type="sldNum" sz="quarter" idx="10"/>
+          </p:nvPr>
+        </p:nvSpPr>
+        <p:spPr/>
+        <p:txBody>
+          <a:bodyPr/>
+          <a:lstStyle/>
+          <a:p>
+            <a:fld id="{27A7883E-DA15-469A-A1A9-E8F964DD8A4A}" type="slidenum">
+              <a:rPr lang="fr-FR" smtClean="0"/>
+              <a:t>15</a:t>
+            </a:fld>
+            <a:endParaRPr lang="fr-FR"/>
+          </a:p>
+        </p:txBody>
+      </p:sp>
+    </p:spTree>
+    <p:extLst>
+      <p:ext uri="{BB962C8B-B14F-4D97-AF65-F5344CB8AC3E}">
+        <p14:creationId xmlns:p14="http://schemas.microsoft.com/office/powerpoint/2010/main" val="1534211353"/>
+      </p:ext>
+    </p:extLst>
+  </p:cSld>
+  <p:clrMapOvr>
+    <a:masterClrMapping/>
+  </p:clrMapOvr>
+</p:notes>
+</file>
+
+<file path=ppt/notesSlides/notesSlide14.xml><?xml version="1.0" encoding="utf-8"?>
+<p:notes xmlns:a="http://schemas.openxmlformats.org/drawingml/2006/main" xmlns:r="http://schemas.openxmlformats.org/officeDocument/2006/relationships" xmlns:p="http://schemas.openxmlformats.org/presentationml/2006/main">
+  <p:cSld>
+    <p:spTree>
+      <p:nvGrpSpPr>
+        <p:cNvPr id="1" name=""/>
+        <p:cNvGrpSpPr/>
+        <p:nvPr/>
+      </p:nvGrpSpPr>
+      <p:grpSpPr>
+        <a:xfrm>
+          <a:off x="0" y="0"/>
+          <a:ext cx="0" cy="0"/>
+          <a:chOff x="0" y="0"/>
+          <a:chExt cx="0" cy="0"/>
+        </a:xfrm>
+      </p:grpSpPr>
+      <p:sp>
+        <p:nvSpPr>
+          <p:cNvPr id="2" name="Espace réservé de l'image des diapositives 1"/>
+          <p:cNvSpPr>
+            <a:spLocks noGrp="1" noRot="1" noChangeAspect="1"/>
+          </p:cNvSpPr>
+          <p:nvPr>
+            <p:ph type="sldImg"/>
+          </p:nvPr>
+        </p:nvSpPr>
+        <p:spPr/>
+      </p:sp>
+      <p:sp>
+        <p:nvSpPr>
+          <p:cNvPr id="3" name="Espace réservé des commentaires 2"/>
+          <p:cNvSpPr>
+            <a:spLocks noGrp="1"/>
+          </p:cNvSpPr>
+          <p:nvPr>
+            <p:ph type="body" idx="1"/>
+          </p:nvPr>
+        </p:nvSpPr>
+        <p:spPr/>
+        <p:txBody>
+          <a:bodyPr/>
+          <a:lstStyle/>
+          <a:p>
+            <a:r>
+              <a:rPr lang="fr-FR" dirty="0" smtClean="0"/>
+              <a:t>Elisa</a:t>
+            </a:r>
+            <a:endParaRPr lang="fr-FR" dirty="0"/>
+          </a:p>
+        </p:txBody>
+      </p:sp>
+      <p:sp>
+        <p:nvSpPr>
+          <p:cNvPr id="4" name="Espace réservé du numéro de diapositive 3"/>
+          <p:cNvSpPr>
+            <a:spLocks noGrp="1"/>
+          </p:cNvSpPr>
+          <p:nvPr>
+            <p:ph type="sldNum" sz="quarter" idx="10"/>
+          </p:nvPr>
+        </p:nvSpPr>
+        <p:spPr/>
+        <p:txBody>
+          <a:bodyPr/>
+          <a:lstStyle/>
+          <a:p>
+            <a:fld id="{27A7883E-DA15-469A-A1A9-E8F964DD8A4A}" type="slidenum">
+              <a:rPr lang="fr-FR" smtClean="0"/>
+              <a:t>17</a:t>
+            </a:fld>
+            <a:endParaRPr lang="fr-FR"/>
+          </a:p>
+        </p:txBody>
+      </p:sp>
+    </p:spTree>
+    <p:extLst>
+      <p:ext uri="{BB962C8B-B14F-4D97-AF65-F5344CB8AC3E}">
+        <p14:creationId xmlns:p14="http://schemas.microsoft.com/office/powerpoint/2010/main" val="4137981787"/>
+      </p:ext>
+    </p:extLst>
+  </p:cSld>
+  <p:clrMapOvr>
+    <a:masterClrMapping/>
+  </p:clrMapOvr>
+</p:notes>
+</file>
+
+<file path=ppt/notesSlides/notesSlide15.xml><?xml version="1.0" encoding="utf-8"?>
+<p:notes xmlns:a="http://schemas.openxmlformats.org/drawingml/2006/main" xmlns:r="http://schemas.openxmlformats.org/officeDocument/2006/relationships" xmlns:p="http://schemas.openxmlformats.org/presentationml/2006/main">
+  <p:cSld>
+    <p:spTree>
+      <p:nvGrpSpPr>
+        <p:cNvPr id="1" name=""/>
+        <p:cNvGrpSpPr/>
+        <p:nvPr/>
+      </p:nvGrpSpPr>
+      <p:grpSpPr>
+        <a:xfrm>
+          <a:off x="0" y="0"/>
+          <a:ext cx="0" cy="0"/>
+          <a:chOff x="0" y="0"/>
+          <a:chExt cx="0" cy="0"/>
+        </a:xfrm>
+      </p:grpSpPr>
+      <p:sp>
+        <p:nvSpPr>
+          <p:cNvPr id="2" name="Espace réservé de l'image des diapositives 1"/>
+          <p:cNvSpPr>
+            <a:spLocks noGrp="1" noRot="1" noChangeAspect="1"/>
+          </p:cNvSpPr>
+          <p:nvPr>
+            <p:ph type="sldImg"/>
+          </p:nvPr>
+        </p:nvSpPr>
+        <p:spPr/>
+      </p:sp>
+      <p:sp>
+        <p:nvSpPr>
+          <p:cNvPr id="3" name="Espace réservé des commentaires 2"/>
+          <p:cNvSpPr>
+            <a:spLocks noGrp="1"/>
+          </p:cNvSpPr>
+          <p:nvPr>
+            <p:ph type="body" idx="1"/>
+          </p:nvPr>
+        </p:nvSpPr>
+        <p:spPr/>
+        <p:txBody>
+          <a:bodyPr/>
+          <a:lstStyle/>
+          <a:p>
+            <a:r>
+              <a:rPr lang="fr-FR" dirty="0" smtClean="0"/>
+              <a:t>Elisa</a:t>
+            </a:r>
+            <a:endParaRPr lang="fr-FR" dirty="0"/>
+          </a:p>
+        </p:txBody>
+      </p:sp>
+      <p:sp>
+        <p:nvSpPr>
+          <p:cNvPr id="4" name="Espace réservé du numéro de diapositive 3"/>
+          <p:cNvSpPr>
+            <a:spLocks noGrp="1"/>
+          </p:cNvSpPr>
+          <p:nvPr>
+            <p:ph type="sldNum" sz="quarter" idx="10"/>
+          </p:nvPr>
+        </p:nvSpPr>
+        <p:spPr/>
+        <p:txBody>
+          <a:bodyPr/>
+          <a:lstStyle/>
+          <a:p>
+            <a:fld id="{27A7883E-DA15-469A-A1A9-E8F964DD8A4A}" type="slidenum">
+              <a:rPr lang="fr-FR" smtClean="0"/>
+              <a:t>18</a:t>
+            </a:fld>
+            <a:endParaRPr lang="fr-FR"/>
+          </a:p>
+        </p:txBody>
+      </p:sp>
+    </p:spTree>
+    <p:extLst>
+      <p:ext uri="{BB962C8B-B14F-4D97-AF65-F5344CB8AC3E}">
+        <p14:creationId xmlns:p14="http://schemas.microsoft.com/office/powerpoint/2010/main" val="1344225574"/>
+      </p:ext>
+    </p:extLst>
+  </p:cSld>
+  <p:clrMapOvr>
+    <a:masterClrMapping/>
+  </p:clrMapOvr>
+</p:notes>
+</file>
+
+<file path=ppt/notesSlides/notesSlide16.xml><?xml version="1.0" encoding="utf-8"?>
+<p:notes xmlns:a="http://schemas.openxmlformats.org/drawingml/2006/main" xmlns:r="http://schemas.openxmlformats.org/officeDocument/2006/relationships" xmlns:p="http://schemas.openxmlformats.org/presentationml/2006/main">
+  <p:cSld>
+    <p:spTree>
+      <p:nvGrpSpPr>
+        <p:cNvPr id="1" name=""/>
+        <p:cNvGrpSpPr/>
+        <p:nvPr/>
+      </p:nvGrpSpPr>
+      <p:grpSpPr>
+        <a:xfrm>
+          <a:off x="0" y="0"/>
+          <a:ext cx="0" cy="0"/>
+          <a:chOff x="0" y="0"/>
+          <a:chExt cx="0" cy="0"/>
+        </a:xfrm>
+      </p:grpSpPr>
+      <p:sp>
+        <p:nvSpPr>
+          <p:cNvPr id="2" name="Espace réservé de l'image des diapositives 1"/>
+          <p:cNvSpPr>
+            <a:spLocks noGrp="1" noRot="1" noChangeAspect="1"/>
+          </p:cNvSpPr>
+          <p:nvPr>
+            <p:ph type="sldImg"/>
+          </p:nvPr>
+        </p:nvSpPr>
+        <p:spPr/>
+      </p:sp>
+      <p:sp>
+        <p:nvSpPr>
+          <p:cNvPr id="3" name="Espace réservé des commentaires 2"/>
+          <p:cNvSpPr>
+            <a:spLocks noGrp="1"/>
+          </p:cNvSpPr>
+          <p:nvPr>
+            <p:ph type="body" idx="1"/>
+          </p:nvPr>
+        </p:nvSpPr>
+        <p:spPr/>
+        <p:txBody>
+          <a:bodyPr/>
+          <a:lstStyle/>
+          <a:p>
+            <a:r>
+              <a:rPr lang="fr-FR" dirty="0" err="1" smtClean="0"/>
+              <a:t>Racel</a:t>
+            </a:r>
+            <a:endParaRPr lang="fr-FR" dirty="0"/>
+          </a:p>
+        </p:txBody>
+      </p:sp>
+      <p:sp>
+        <p:nvSpPr>
+          <p:cNvPr id="4" name="Espace réservé du numéro de diapositive 3"/>
+          <p:cNvSpPr>
+            <a:spLocks noGrp="1"/>
+          </p:cNvSpPr>
+          <p:nvPr>
+            <p:ph type="sldNum" sz="quarter" idx="10"/>
+          </p:nvPr>
+        </p:nvSpPr>
+        <p:spPr/>
+        <p:txBody>
+          <a:bodyPr/>
+          <a:lstStyle/>
+          <a:p>
+            <a:fld id="{27A7883E-DA15-469A-A1A9-E8F964DD8A4A}" type="slidenum">
+              <a:rPr lang="fr-FR" smtClean="0"/>
+              <a:t>19</a:t>
+            </a:fld>
+            <a:endParaRPr lang="fr-FR"/>
+          </a:p>
+        </p:txBody>
+      </p:sp>
+    </p:spTree>
+    <p:extLst>
+      <p:ext uri="{BB962C8B-B14F-4D97-AF65-F5344CB8AC3E}">
+        <p14:creationId xmlns:p14="http://schemas.microsoft.com/office/powerpoint/2010/main" val="2032751601"/>
       </p:ext>
     </p:extLst>
   </p:cSld>
@@ -609,7 +1240,11 @@
           <a:bodyPr/>
           <a:lstStyle/>
           <a:p>
-            <a:endParaRPr lang="fr-FR"/>
+            <a:r>
+              <a:rPr lang="fr-FR" dirty="0" smtClean="0"/>
+              <a:t>Cyril</a:t>
+            </a:r>
+            <a:endParaRPr lang="fr-FR" dirty="0"/>
           </a:p>
         </p:txBody>
       </p:sp>
@@ -630,7 +1265,7 @@
           <a:p>
             <a:fld id="{27A7883E-DA15-469A-A1A9-E8F964DD8A4A}" type="slidenum">
               <a:rPr lang="fr-FR" smtClean="0"/>
-              <a:t>16</a:t>
+              <a:t>2</a:t>
             </a:fld>
             <a:endParaRPr lang="fr-FR"/>
           </a:p>
@@ -639,7 +1274,623 @@
     </p:spTree>
     <p:extLst>
       <p:ext uri="{BB962C8B-B14F-4D97-AF65-F5344CB8AC3E}">
-        <p14:creationId xmlns:p14="http://schemas.microsoft.com/office/powerpoint/2010/main" val="2032751601"/>
+        <p14:creationId xmlns:p14="http://schemas.microsoft.com/office/powerpoint/2010/main" val="3776587961"/>
+      </p:ext>
+    </p:extLst>
+  </p:cSld>
+  <p:clrMapOvr>
+    <a:masterClrMapping/>
+  </p:clrMapOvr>
+</p:notes>
+</file>
+
+<file path=ppt/notesSlides/notesSlide3.xml><?xml version="1.0" encoding="utf-8"?>
+<p:notes xmlns:a="http://schemas.openxmlformats.org/drawingml/2006/main" xmlns:r="http://schemas.openxmlformats.org/officeDocument/2006/relationships" xmlns:p="http://schemas.openxmlformats.org/presentationml/2006/main">
+  <p:cSld>
+    <p:spTree>
+      <p:nvGrpSpPr>
+        <p:cNvPr id="1" name=""/>
+        <p:cNvGrpSpPr/>
+        <p:nvPr/>
+      </p:nvGrpSpPr>
+      <p:grpSpPr>
+        <a:xfrm>
+          <a:off x="0" y="0"/>
+          <a:ext cx="0" cy="0"/>
+          <a:chOff x="0" y="0"/>
+          <a:chExt cx="0" cy="0"/>
+        </a:xfrm>
+      </p:grpSpPr>
+      <p:sp>
+        <p:nvSpPr>
+          <p:cNvPr id="2" name="Espace réservé de l'image des diapositives 1"/>
+          <p:cNvSpPr>
+            <a:spLocks noGrp="1" noRot="1" noChangeAspect="1"/>
+          </p:cNvSpPr>
+          <p:nvPr>
+            <p:ph type="sldImg"/>
+          </p:nvPr>
+        </p:nvSpPr>
+        <p:spPr/>
+      </p:sp>
+      <p:sp>
+        <p:nvSpPr>
+          <p:cNvPr id="3" name="Espace réservé des commentaires 2"/>
+          <p:cNvSpPr>
+            <a:spLocks noGrp="1"/>
+          </p:cNvSpPr>
+          <p:nvPr>
+            <p:ph type="body" idx="1"/>
+          </p:nvPr>
+        </p:nvSpPr>
+        <p:spPr/>
+        <p:txBody>
+          <a:bodyPr/>
+          <a:lstStyle/>
+          <a:p>
+            <a:r>
+              <a:rPr lang="fr-FR" dirty="0" smtClean="0"/>
+              <a:t>Cyril</a:t>
+            </a:r>
+            <a:endParaRPr lang="fr-FR" dirty="0"/>
+          </a:p>
+        </p:txBody>
+      </p:sp>
+      <p:sp>
+        <p:nvSpPr>
+          <p:cNvPr id="4" name="Espace réservé du numéro de diapositive 3"/>
+          <p:cNvSpPr>
+            <a:spLocks noGrp="1"/>
+          </p:cNvSpPr>
+          <p:nvPr>
+            <p:ph type="sldNum" sz="quarter" idx="10"/>
+          </p:nvPr>
+        </p:nvSpPr>
+        <p:spPr/>
+        <p:txBody>
+          <a:bodyPr/>
+          <a:lstStyle/>
+          <a:p>
+            <a:fld id="{27A7883E-DA15-469A-A1A9-E8F964DD8A4A}" type="slidenum">
+              <a:rPr lang="fr-FR" smtClean="0"/>
+              <a:t>3</a:t>
+            </a:fld>
+            <a:endParaRPr lang="fr-FR"/>
+          </a:p>
+        </p:txBody>
+      </p:sp>
+    </p:spTree>
+    <p:extLst>
+      <p:ext uri="{BB962C8B-B14F-4D97-AF65-F5344CB8AC3E}">
+        <p14:creationId xmlns:p14="http://schemas.microsoft.com/office/powerpoint/2010/main" val="97122737"/>
+      </p:ext>
+    </p:extLst>
+  </p:cSld>
+  <p:clrMapOvr>
+    <a:masterClrMapping/>
+  </p:clrMapOvr>
+</p:notes>
+</file>
+
+<file path=ppt/notesSlides/notesSlide4.xml><?xml version="1.0" encoding="utf-8"?>
+<p:notes xmlns:a="http://schemas.openxmlformats.org/drawingml/2006/main" xmlns:r="http://schemas.openxmlformats.org/officeDocument/2006/relationships" xmlns:p="http://schemas.openxmlformats.org/presentationml/2006/main">
+  <p:cSld>
+    <p:spTree>
+      <p:nvGrpSpPr>
+        <p:cNvPr id="1" name=""/>
+        <p:cNvGrpSpPr/>
+        <p:nvPr/>
+      </p:nvGrpSpPr>
+      <p:grpSpPr>
+        <a:xfrm>
+          <a:off x="0" y="0"/>
+          <a:ext cx="0" cy="0"/>
+          <a:chOff x="0" y="0"/>
+          <a:chExt cx="0" cy="0"/>
+        </a:xfrm>
+      </p:grpSpPr>
+      <p:sp>
+        <p:nvSpPr>
+          <p:cNvPr id="2" name="Espace réservé de l'image des diapositives 1"/>
+          <p:cNvSpPr>
+            <a:spLocks noGrp="1" noRot="1" noChangeAspect="1"/>
+          </p:cNvSpPr>
+          <p:nvPr>
+            <p:ph type="sldImg"/>
+          </p:nvPr>
+        </p:nvSpPr>
+        <p:spPr/>
+      </p:sp>
+      <p:sp>
+        <p:nvSpPr>
+          <p:cNvPr id="3" name="Espace réservé des commentaires 2"/>
+          <p:cNvSpPr>
+            <a:spLocks noGrp="1"/>
+          </p:cNvSpPr>
+          <p:nvPr>
+            <p:ph type="body" idx="1"/>
+          </p:nvPr>
+        </p:nvSpPr>
+        <p:spPr/>
+        <p:txBody>
+          <a:bodyPr/>
+          <a:lstStyle/>
+          <a:p>
+            <a:r>
+              <a:rPr lang="fr-FR" dirty="0" err="1" smtClean="0"/>
+              <a:t>Racel</a:t>
+            </a:r>
+            <a:endParaRPr lang="fr-FR" dirty="0"/>
+          </a:p>
+        </p:txBody>
+      </p:sp>
+      <p:sp>
+        <p:nvSpPr>
+          <p:cNvPr id="4" name="Espace réservé du numéro de diapositive 3"/>
+          <p:cNvSpPr>
+            <a:spLocks noGrp="1"/>
+          </p:cNvSpPr>
+          <p:nvPr>
+            <p:ph type="sldNum" sz="quarter" idx="10"/>
+          </p:nvPr>
+        </p:nvSpPr>
+        <p:spPr/>
+        <p:txBody>
+          <a:bodyPr/>
+          <a:lstStyle/>
+          <a:p>
+            <a:fld id="{27A7883E-DA15-469A-A1A9-E8F964DD8A4A}" type="slidenum">
+              <a:rPr lang="fr-FR" smtClean="0"/>
+              <a:t>4</a:t>
+            </a:fld>
+            <a:endParaRPr lang="fr-FR"/>
+          </a:p>
+        </p:txBody>
+      </p:sp>
+    </p:spTree>
+    <p:extLst>
+      <p:ext uri="{BB962C8B-B14F-4D97-AF65-F5344CB8AC3E}">
+        <p14:creationId xmlns:p14="http://schemas.microsoft.com/office/powerpoint/2010/main" val="1039770124"/>
+      </p:ext>
+    </p:extLst>
+  </p:cSld>
+  <p:clrMapOvr>
+    <a:masterClrMapping/>
+  </p:clrMapOvr>
+</p:notes>
+</file>
+
+<file path=ppt/notesSlides/notesSlide5.xml><?xml version="1.0" encoding="utf-8"?>
+<p:notes xmlns:a="http://schemas.openxmlformats.org/drawingml/2006/main" xmlns:r="http://schemas.openxmlformats.org/officeDocument/2006/relationships" xmlns:p="http://schemas.openxmlformats.org/presentationml/2006/main">
+  <p:cSld>
+    <p:spTree>
+      <p:nvGrpSpPr>
+        <p:cNvPr id="1" name=""/>
+        <p:cNvGrpSpPr/>
+        <p:nvPr/>
+      </p:nvGrpSpPr>
+      <p:grpSpPr>
+        <a:xfrm>
+          <a:off x="0" y="0"/>
+          <a:ext cx="0" cy="0"/>
+          <a:chOff x="0" y="0"/>
+          <a:chExt cx="0" cy="0"/>
+        </a:xfrm>
+      </p:grpSpPr>
+      <p:sp>
+        <p:nvSpPr>
+          <p:cNvPr id="2" name="Espace réservé de l'image des diapositives 1"/>
+          <p:cNvSpPr>
+            <a:spLocks noGrp="1" noRot="1" noChangeAspect="1"/>
+          </p:cNvSpPr>
+          <p:nvPr>
+            <p:ph type="sldImg"/>
+          </p:nvPr>
+        </p:nvSpPr>
+        <p:spPr/>
+      </p:sp>
+      <p:sp>
+        <p:nvSpPr>
+          <p:cNvPr id="3" name="Espace réservé des commentaires 2"/>
+          <p:cNvSpPr>
+            <a:spLocks noGrp="1"/>
+          </p:cNvSpPr>
+          <p:nvPr>
+            <p:ph type="body" idx="1"/>
+          </p:nvPr>
+        </p:nvSpPr>
+        <p:spPr/>
+        <p:txBody>
+          <a:bodyPr/>
+          <a:lstStyle/>
+          <a:p>
+            <a:r>
+              <a:rPr lang="fr-FR" dirty="0" smtClean="0"/>
+              <a:t>Elisa</a:t>
+            </a:r>
+            <a:endParaRPr lang="fr-FR" dirty="0"/>
+          </a:p>
+        </p:txBody>
+      </p:sp>
+      <p:sp>
+        <p:nvSpPr>
+          <p:cNvPr id="4" name="Espace réservé du numéro de diapositive 3"/>
+          <p:cNvSpPr>
+            <a:spLocks noGrp="1"/>
+          </p:cNvSpPr>
+          <p:nvPr>
+            <p:ph type="sldNum" sz="quarter" idx="10"/>
+          </p:nvPr>
+        </p:nvSpPr>
+        <p:spPr/>
+        <p:txBody>
+          <a:bodyPr/>
+          <a:lstStyle/>
+          <a:p>
+            <a:fld id="{27A7883E-DA15-469A-A1A9-E8F964DD8A4A}" type="slidenum">
+              <a:rPr lang="fr-FR" smtClean="0"/>
+              <a:t>6</a:t>
+            </a:fld>
+            <a:endParaRPr lang="fr-FR"/>
+          </a:p>
+        </p:txBody>
+      </p:sp>
+    </p:spTree>
+    <p:extLst>
+      <p:ext uri="{BB962C8B-B14F-4D97-AF65-F5344CB8AC3E}">
+        <p14:creationId xmlns:p14="http://schemas.microsoft.com/office/powerpoint/2010/main" val="1692218294"/>
+      </p:ext>
+    </p:extLst>
+  </p:cSld>
+  <p:clrMapOvr>
+    <a:masterClrMapping/>
+  </p:clrMapOvr>
+</p:notes>
+</file>
+
+<file path=ppt/notesSlides/notesSlide6.xml><?xml version="1.0" encoding="utf-8"?>
+<p:notes xmlns:a="http://schemas.openxmlformats.org/drawingml/2006/main" xmlns:r="http://schemas.openxmlformats.org/officeDocument/2006/relationships" xmlns:p="http://schemas.openxmlformats.org/presentationml/2006/main">
+  <p:cSld>
+    <p:spTree>
+      <p:nvGrpSpPr>
+        <p:cNvPr id="1" name=""/>
+        <p:cNvGrpSpPr/>
+        <p:nvPr/>
+      </p:nvGrpSpPr>
+      <p:grpSpPr>
+        <a:xfrm>
+          <a:off x="0" y="0"/>
+          <a:ext cx="0" cy="0"/>
+          <a:chOff x="0" y="0"/>
+          <a:chExt cx="0" cy="0"/>
+        </a:xfrm>
+      </p:grpSpPr>
+      <p:sp>
+        <p:nvSpPr>
+          <p:cNvPr id="2" name="Espace réservé de l'image des diapositives 1"/>
+          <p:cNvSpPr>
+            <a:spLocks noGrp="1" noRot="1" noChangeAspect="1"/>
+          </p:cNvSpPr>
+          <p:nvPr>
+            <p:ph type="sldImg"/>
+          </p:nvPr>
+        </p:nvSpPr>
+        <p:spPr/>
+      </p:sp>
+      <p:sp>
+        <p:nvSpPr>
+          <p:cNvPr id="3" name="Espace réservé des commentaires 2"/>
+          <p:cNvSpPr>
+            <a:spLocks noGrp="1"/>
+          </p:cNvSpPr>
+          <p:nvPr>
+            <p:ph type="body" idx="1"/>
+          </p:nvPr>
+        </p:nvSpPr>
+        <p:spPr/>
+        <p:txBody>
+          <a:bodyPr/>
+          <a:lstStyle/>
+          <a:p>
+            <a:r>
+              <a:rPr lang="fr-FR" dirty="0" smtClean="0"/>
+              <a:t>Elisa</a:t>
+            </a:r>
+            <a:endParaRPr lang="fr-FR" dirty="0"/>
+          </a:p>
+        </p:txBody>
+      </p:sp>
+      <p:sp>
+        <p:nvSpPr>
+          <p:cNvPr id="4" name="Espace réservé du numéro de diapositive 3"/>
+          <p:cNvSpPr>
+            <a:spLocks noGrp="1"/>
+          </p:cNvSpPr>
+          <p:nvPr>
+            <p:ph type="sldNum" sz="quarter" idx="10"/>
+          </p:nvPr>
+        </p:nvSpPr>
+        <p:spPr/>
+        <p:txBody>
+          <a:bodyPr/>
+          <a:lstStyle/>
+          <a:p>
+            <a:fld id="{27A7883E-DA15-469A-A1A9-E8F964DD8A4A}" type="slidenum">
+              <a:rPr lang="fr-FR" smtClean="0"/>
+              <a:t>7</a:t>
+            </a:fld>
+            <a:endParaRPr lang="fr-FR"/>
+          </a:p>
+        </p:txBody>
+      </p:sp>
+    </p:spTree>
+    <p:extLst>
+      <p:ext uri="{BB962C8B-B14F-4D97-AF65-F5344CB8AC3E}">
+        <p14:creationId xmlns:p14="http://schemas.microsoft.com/office/powerpoint/2010/main" val="3210433113"/>
+      </p:ext>
+    </p:extLst>
+  </p:cSld>
+  <p:clrMapOvr>
+    <a:masterClrMapping/>
+  </p:clrMapOvr>
+</p:notes>
+</file>
+
+<file path=ppt/notesSlides/notesSlide7.xml><?xml version="1.0" encoding="utf-8"?>
+<p:notes xmlns:a="http://schemas.openxmlformats.org/drawingml/2006/main" xmlns:r="http://schemas.openxmlformats.org/officeDocument/2006/relationships" xmlns:p="http://schemas.openxmlformats.org/presentationml/2006/main">
+  <p:cSld>
+    <p:spTree>
+      <p:nvGrpSpPr>
+        <p:cNvPr id="1" name=""/>
+        <p:cNvGrpSpPr/>
+        <p:nvPr/>
+      </p:nvGrpSpPr>
+      <p:grpSpPr>
+        <a:xfrm>
+          <a:off x="0" y="0"/>
+          <a:ext cx="0" cy="0"/>
+          <a:chOff x="0" y="0"/>
+          <a:chExt cx="0" cy="0"/>
+        </a:xfrm>
+      </p:grpSpPr>
+      <p:sp>
+        <p:nvSpPr>
+          <p:cNvPr id="2" name="Espace réservé de l'image des diapositives 1"/>
+          <p:cNvSpPr>
+            <a:spLocks noGrp="1" noRot="1" noChangeAspect="1"/>
+          </p:cNvSpPr>
+          <p:nvPr>
+            <p:ph type="sldImg"/>
+          </p:nvPr>
+        </p:nvSpPr>
+        <p:spPr/>
+      </p:sp>
+      <p:sp>
+        <p:nvSpPr>
+          <p:cNvPr id="3" name="Espace réservé des commentaires 2"/>
+          <p:cNvSpPr>
+            <a:spLocks noGrp="1"/>
+          </p:cNvSpPr>
+          <p:nvPr>
+            <p:ph type="body" idx="1"/>
+          </p:nvPr>
+        </p:nvSpPr>
+        <p:spPr/>
+        <p:txBody>
+          <a:bodyPr/>
+          <a:lstStyle/>
+          <a:p>
+            <a:r>
+              <a:rPr lang="fr-FR" dirty="0" smtClean="0"/>
+              <a:t>Elisa</a:t>
+            </a:r>
+            <a:endParaRPr lang="fr-FR" dirty="0"/>
+          </a:p>
+        </p:txBody>
+      </p:sp>
+      <p:sp>
+        <p:nvSpPr>
+          <p:cNvPr id="4" name="Espace réservé du numéro de diapositive 3"/>
+          <p:cNvSpPr>
+            <a:spLocks noGrp="1"/>
+          </p:cNvSpPr>
+          <p:nvPr>
+            <p:ph type="sldNum" sz="quarter" idx="10"/>
+          </p:nvPr>
+        </p:nvSpPr>
+        <p:spPr/>
+        <p:txBody>
+          <a:bodyPr/>
+          <a:lstStyle/>
+          <a:p>
+            <a:fld id="{27A7883E-DA15-469A-A1A9-E8F964DD8A4A}" type="slidenum">
+              <a:rPr lang="fr-FR" smtClean="0"/>
+              <a:t>8</a:t>
+            </a:fld>
+            <a:endParaRPr lang="fr-FR"/>
+          </a:p>
+        </p:txBody>
+      </p:sp>
+    </p:spTree>
+    <p:extLst>
+      <p:ext uri="{BB962C8B-B14F-4D97-AF65-F5344CB8AC3E}">
+        <p14:creationId xmlns:p14="http://schemas.microsoft.com/office/powerpoint/2010/main" val="667362952"/>
+      </p:ext>
+    </p:extLst>
+  </p:cSld>
+  <p:clrMapOvr>
+    <a:masterClrMapping/>
+  </p:clrMapOvr>
+</p:notes>
+</file>
+
+<file path=ppt/notesSlides/notesSlide8.xml><?xml version="1.0" encoding="utf-8"?>
+<p:notes xmlns:a="http://schemas.openxmlformats.org/drawingml/2006/main" xmlns:r="http://schemas.openxmlformats.org/officeDocument/2006/relationships" xmlns:p="http://schemas.openxmlformats.org/presentationml/2006/main">
+  <p:cSld>
+    <p:spTree>
+      <p:nvGrpSpPr>
+        <p:cNvPr id="1" name=""/>
+        <p:cNvGrpSpPr/>
+        <p:nvPr/>
+      </p:nvGrpSpPr>
+      <p:grpSpPr>
+        <a:xfrm>
+          <a:off x="0" y="0"/>
+          <a:ext cx="0" cy="0"/>
+          <a:chOff x="0" y="0"/>
+          <a:chExt cx="0" cy="0"/>
+        </a:xfrm>
+      </p:grpSpPr>
+      <p:sp>
+        <p:nvSpPr>
+          <p:cNvPr id="2" name="Espace réservé de l'image des diapositives 1"/>
+          <p:cNvSpPr>
+            <a:spLocks noGrp="1" noRot="1" noChangeAspect="1"/>
+          </p:cNvSpPr>
+          <p:nvPr>
+            <p:ph type="sldImg"/>
+          </p:nvPr>
+        </p:nvSpPr>
+        <p:spPr/>
+      </p:sp>
+      <p:sp>
+        <p:nvSpPr>
+          <p:cNvPr id="3" name="Espace réservé des commentaires 2"/>
+          <p:cNvSpPr>
+            <a:spLocks noGrp="1"/>
+          </p:cNvSpPr>
+          <p:nvPr>
+            <p:ph type="body" idx="1"/>
+          </p:nvPr>
+        </p:nvSpPr>
+        <p:spPr/>
+        <p:txBody>
+          <a:bodyPr/>
+          <a:lstStyle/>
+          <a:p>
+            <a:r>
+              <a:rPr lang="fr-FR" dirty="0" smtClean="0"/>
+              <a:t>Corentin</a:t>
+            </a:r>
+            <a:endParaRPr lang="fr-FR" dirty="0"/>
+          </a:p>
+        </p:txBody>
+      </p:sp>
+      <p:sp>
+        <p:nvSpPr>
+          <p:cNvPr id="4" name="Espace réservé du numéro de diapositive 3"/>
+          <p:cNvSpPr>
+            <a:spLocks noGrp="1"/>
+          </p:cNvSpPr>
+          <p:nvPr>
+            <p:ph type="sldNum" sz="quarter" idx="10"/>
+          </p:nvPr>
+        </p:nvSpPr>
+        <p:spPr/>
+        <p:txBody>
+          <a:bodyPr/>
+          <a:lstStyle/>
+          <a:p>
+            <a:fld id="{27A7883E-DA15-469A-A1A9-E8F964DD8A4A}" type="slidenum">
+              <a:rPr lang="fr-FR" smtClean="0"/>
+              <a:t>9</a:t>
+            </a:fld>
+            <a:endParaRPr lang="fr-FR"/>
+          </a:p>
+        </p:txBody>
+      </p:sp>
+    </p:spTree>
+    <p:extLst>
+      <p:ext uri="{BB962C8B-B14F-4D97-AF65-F5344CB8AC3E}">
+        <p14:creationId xmlns:p14="http://schemas.microsoft.com/office/powerpoint/2010/main" val="1929374730"/>
+      </p:ext>
+    </p:extLst>
+  </p:cSld>
+  <p:clrMapOvr>
+    <a:masterClrMapping/>
+  </p:clrMapOvr>
+</p:notes>
+</file>
+
+<file path=ppt/notesSlides/notesSlide9.xml><?xml version="1.0" encoding="utf-8"?>
+<p:notes xmlns:a="http://schemas.openxmlformats.org/drawingml/2006/main" xmlns:r="http://schemas.openxmlformats.org/officeDocument/2006/relationships" xmlns:p="http://schemas.openxmlformats.org/presentationml/2006/main">
+  <p:cSld>
+    <p:spTree>
+      <p:nvGrpSpPr>
+        <p:cNvPr id="1" name=""/>
+        <p:cNvGrpSpPr/>
+        <p:nvPr/>
+      </p:nvGrpSpPr>
+      <p:grpSpPr>
+        <a:xfrm>
+          <a:off x="0" y="0"/>
+          <a:ext cx="0" cy="0"/>
+          <a:chOff x="0" y="0"/>
+          <a:chExt cx="0" cy="0"/>
+        </a:xfrm>
+      </p:grpSpPr>
+      <p:sp>
+        <p:nvSpPr>
+          <p:cNvPr id="2" name="Espace réservé de l'image des diapositives 1"/>
+          <p:cNvSpPr>
+            <a:spLocks noGrp="1" noRot="1" noChangeAspect="1"/>
+          </p:cNvSpPr>
+          <p:nvPr>
+            <p:ph type="sldImg"/>
+          </p:nvPr>
+        </p:nvSpPr>
+        <p:spPr/>
+      </p:sp>
+      <p:sp>
+        <p:nvSpPr>
+          <p:cNvPr id="3" name="Espace réservé des commentaires 2"/>
+          <p:cNvSpPr>
+            <a:spLocks noGrp="1"/>
+          </p:cNvSpPr>
+          <p:nvPr>
+            <p:ph type="body" idx="1"/>
+          </p:nvPr>
+        </p:nvSpPr>
+        <p:spPr/>
+        <p:txBody>
+          <a:bodyPr/>
+          <a:lstStyle/>
+          <a:p>
+            <a:r>
+              <a:rPr lang="fr-FR" dirty="0" smtClean="0"/>
+              <a:t>Corentin</a:t>
+            </a:r>
+            <a:endParaRPr lang="fr-FR" dirty="0"/>
+          </a:p>
+        </p:txBody>
+      </p:sp>
+      <p:sp>
+        <p:nvSpPr>
+          <p:cNvPr id="4" name="Espace réservé du numéro de diapositive 3"/>
+          <p:cNvSpPr>
+            <a:spLocks noGrp="1"/>
+          </p:cNvSpPr>
+          <p:nvPr>
+            <p:ph type="sldNum" sz="quarter" idx="10"/>
+          </p:nvPr>
+        </p:nvSpPr>
+        <p:spPr/>
+        <p:txBody>
+          <a:bodyPr/>
+          <a:lstStyle/>
+          <a:p>
+            <a:fld id="{27A7883E-DA15-469A-A1A9-E8F964DD8A4A}" type="slidenum">
+              <a:rPr lang="fr-FR" smtClean="0"/>
+              <a:t>10</a:t>
+            </a:fld>
+            <a:endParaRPr lang="fr-FR"/>
+          </a:p>
+        </p:txBody>
+      </p:sp>
+    </p:spTree>
+    <p:extLst>
+      <p:ext uri="{BB962C8B-B14F-4D97-AF65-F5344CB8AC3E}">
+        <p14:creationId xmlns:p14="http://schemas.microsoft.com/office/powerpoint/2010/main" val="2080910604"/>
       </p:ext>
     </p:extLst>
   </p:cSld>
@@ -6996,7 +8247,7 @@
           </p:nvPr>
         </p:nvPicPr>
         <p:blipFill rotWithShape="1">
-          <a:blip r:embed="rId2"/>
+          <a:blip r:embed="rId3"/>
           <a:srcRect l="10657" t="13260" r="45304" b="6550"/>
           <a:stretch/>
         </p:blipFill>
@@ -7055,6 +8306,35 @@
           <a:chExt cx="0" cy="0"/>
         </a:xfrm>
       </p:grpSpPr>
+      <p:pic>
+        <p:nvPicPr>
+          <p:cNvPr id="6" name="Espace réservé du contenu 5"/>
+          <p:cNvPicPr>
+            <a:picLocks noGrp="1" noChangeAspect="1"/>
+          </p:cNvPicPr>
+          <p:nvPr>
+            <p:ph idx="1"/>
+          </p:nvPr>
+        </p:nvPicPr>
+        <p:blipFill>
+          <a:blip r:embed="rId3">
+            <a:extLst>
+              <a:ext uri="{28A0092B-C50C-407E-A947-70E740481C1C}">
+                <a14:useLocalDpi xmlns:a14="http://schemas.microsoft.com/office/drawing/2010/main" val="0"/>
+              </a:ext>
+            </a:extLst>
+          </a:blip>
+          <a:stretch>
+            <a:fillRect/>
+          </a:stretch>
+        </p:blipFill>
+        <p:spPr>
+          <a:xfrm>
+            <a:off x="1552280" y="1091821"/>
+            <a:ext cx="6613278" cy="5046497"/>
+          </a:xfrm>
+        </p:spPr>
+      </p:pic>
       <p:sp>
         <p:nvSpPr>
           <p:cNvPr id="2" name="Titre 1"/>
@@ -7072,7 +8352,7 @@
           <a:p>
             <a:r>
               <a:rPr lang="fr-FR" dirty="0" smtClean="0"/>
-              <a:t>Organisation du projet</a:t>
+              <a:t>Schéma relationnel</a:t>
             </a:r>
             <a:endParaRPr lang="fr-FR" dirty="0"/>
           </a:p>
@@ -7080,7 +8360,7 @@
       </p:sp>
       <p:sp>
         <p:nvSpPr>
-          <p:cNvPr id="5" name="Espace réservé de la date 4"/>
+          <p:cNvPr id="4" name="Espace réservé de la date 3"/>
           <p:cNvSpPr>
             <a:spLocks noGrp="1"/>
           </p:cNvSpPr>
@@ -7093,7 +8373,7 @@
           <a:bodyPr/>
           <a:lstStyle/>
           <a:p>
-            <a:fld id="{636E536C-680F-43C7-A241-5B4E0ACF99A5}" type="datetime1">
+            <a:fld id="{A8820F06-91DB-439E-8167-302FEFA49B98}" type="datetime1">
               <a:rPr lang="fr-FR" smtClean="0"/>
               <a:t>19/06/2015</a:t>
             </a:fld>
@@ -7103,6 +8383,112 @@
       </p:sp>
       <p:sp>
         <p:nvSpPr>
+          <p:cNvPr id="5" name="Espace réservé du numéro de diapositive 4"/>
+          <p:cNvSpPr>
+            <a:spLocks noGrp="1"/>
+          </p:cNvSpPr>
+          <p:nvPr>
+            <p:ph type="sldNum" sz="quarter" idx="12"/>
+          </p:nvPr>
+        </p:nvSpPr>
+        <p:spPr/>
+        <p:txBody>
+          <a:bodyPr/>
+          <a:lstStyle/>
+          <a:p>
+            <a:fld id="{D74186CF-AB3C-46BB-BBED-0FD9A83C3C1F}" type="slidenum">
+              <a:rPr lang="fr-FR" smtClean="0"/>
+              <a:t>11</a:t>
+            </a:fld>
+            <a:endParaRPr lang="fr-FR"/>
+          </a:p>
+        </p:txBody>
+      </p:sp>
+    </p:spTree>
+    <p:extLst>
+      <p:ext uri="{BB962C8B-B14F-4D97-AF65-F5344CB8AC3E}">
+        <p14:creationId xmlns:p14="http://schemas.microsoft.com/office/powerpoint/2010/main" val="2287440396"/>
+      </p:ext>
+    </p:extLst>
+  </p:cSld>
+  <p:clrMapOvr>
+    <a:masterClrMapping/>
+  </p:clrMapOvr>
+  <p:timing>
+    <p:tnLst>
+      <p:par>
+        <p:cTn id="1" dur="indefinite" restart="never" nodeType="tmRoot"/>
+      </p:par>
+    </p:tnLst>
+  </p:timing>
+</p:sld>
+</file>
+
+<file path=ppt/slides/slide12.xml><?xml version="1.0" encoding="utf-8"?>
+<p:sld xmlns:a="http://schemas.openxmlformats.org/drawingml/2006/main" xmlns:r="http://schemas.openxmlformats.org/officeDocument/2006/relationships" xmlns:p="http://schemas.openxmlformats.org/presentationml/2006/main">
+  <p:cSld>
+    <p:spTree>
+      <p:nvGrpSpPr>
+        <p:cNvPr id="1" name=""/>
+        <p:cNvGrpSpPr/>
+        <p:nvPr/>
+      </p:nvGrpSpPr>
+      <p:grpSpPr>
+        <a:xfrm>
+          <a:off x="0" y="0"/>
+          <a:ext cx="0" cy="0"/>
+          <a:chOff x="0" y="0"/>
+          <a:chExt cx="0" cy="0"/>
+        </a:xfrm>
+      </p:grpSpPr>
+      <p:sp>
+        <p:nvSpPr>
+          <p:cNvPr id="2" name="Titre 1"/>
+          <p:cNvSpPr>
+            <a:spLocks noGrp="1"/>
+          </p:cNvSpPr>
+          <p:nvPr>
+            <p:ph type="title"/>
+          </p:nvPr>
+        </p:nvSpPr>
+        <p:spPr/>
+        <p:txBody>
+          <a:bodyPr/>
+          <a:lstStyle/>
+          <a:p>
+            <a:r>
+              <a:rPr lang="fr-FR" dirty="0" smtClean="0"/>
+              <a:t>Organisation du projet</a:t>
+            </a:r>
+            <a:endParaRPr lang="fr-FR" dirty="0"/>
+          </a:p>
+        </p:txBody>
+      </p:sp>
+      <p:sp>
+        <p:nvSpPr>
+          <p:cNvPr id="5" name="Espace réservé de la date 4"/>
+          <p:cNvSpPr>
+            <a:spLocks noGrp="1"/>
+          </p:cNvSpPr>
+          <p:nvPr>
+            <p:ph type="dt" sz="half" idx="10"/>
+          </p:nvPr>
+        </p:nvSpPr>
+        <p:spPr/>
+        <p:txBody>
+          <a:bodyPr/>
+          <a:lstStyle/>
+          <a:p>
+            <a:fld id="{636E536C-680F-43C7-A241-5B4E0ACF99A5}" type="datetime1">
+              <a:rPr lang="fr-FR" smtClean="0"/>
+              <a:t>19/06/2015</a:t>
+            </a:fld>
+            <a:endParaRPr lang="fr-FR"/>
+          </a:p>
+        </p:txBody>
+      </p:sp>
+      <p:sp>
+        <p:nvSpPr>
           <p:cNvPr id="6" name="Espace réservé du numéro de diapositive 5"/>
           <p:cNvSpPr>
             <a:spLocks noGrp="1"/>
@@ -7118,7 +8504,7 @@
           <a:p>
             <a:fld id="{D74186CF-AB3C-46BB-BBED-0FD9A83C3C1F}" type="slidenum">
               <a:rPr lang="fr-FR" smtClean="0"/>
-              <a:t>11</a:t>
+              <a:t>12</a:t>
             </a:fld>
             <a:endParaRPr lang="fr-FR"/>
           </a:p>
@@ -7135,7 +8521,7 @@
           </p:nvPr>
         </p:nvPicPr>
         <p:blipFill rotWithShape="1">
-          <a:blip r:embed="rId2" cstate="print">
+          <a:blip r:embed="rId3" cstate="print">
             <a:extLst>
               <a:ext uri="{28A0092B-C50C-407E-A947-70E740481C1C}">
                 <a14:useLocalDpi xmlns:a14="http://schemas.microsoft.com/office/drawing/2010/main" val="0"/>
@@ -7184,133 +8570,6 @@
 </p:sld>
 </file>
 
-<file path=ppt/slides/slide12.xml><?xml version="1.0" encoding="utf-8"?>
-<p:sld xmlns:a="http://schemas.openxmlformats.org/drawingml/2006/main" xmlns:r="http://schemas.openxmlformats.org/officeDocument/2006/relationships" xmlns:p="http://schemas.openxmlformats.org/presentationml/2006/main">
-  <p:cSld>
-    <p:spTree>
-      <p:nvGrpSpPr>
-        <p:cNvPr id="1" name=""/>
-        <p:cNvGrpSpPr/>
-        <p:nvPr/>
-      </p:nvGrpSpPr>
-      <p:grpSpPr>
-        <a:xfrm>
-          <a:off x="0" y="0"/>
-          <a:ext cx="0" cy="0"/>
-          <a:chOff x="0" y="0"/>
-          <a:chExt cx="0" cy="0"/>
-        </a:xfrm>
-      </p:grpSpPr>
-      <p:sp>
-        <p:nvSpPr>
-          <p:cNvPr id="6" name="Titre 5"/>
-          <p:cNvSpPr>
-            <a:spLocks noGrp="1"/>
-          </p:cNvSpPr>
-          <p:nvPr>
-            <p:ph type="title"/>
-          </p:nvPr>
-        </p:nvSpPr>
-        <p:spPr/>
-        <p:txBody>
-          <a:bodyPr/>
-          <a:lstStyle/>
-          <a:p>
-            <a:r>
-              <a:rPr lang="fr-FR" dirty="0" smtClean="0"/>
-              <a:t>Développement java</a:t>
-            </a:r>
-            <a:endParaRPr lang="fr-FR" dirty="0"/>
-          </a:p>
-        </p:txBody>
-      </p:sp>
-      <p:sp>
-        <p:nvSpPr>
-          <p:cNvPr id="7" name="Espace réservé du texte 6"/>
-          <p:cNvSpPr>
-            <a:spLocks noGrp="1"/>
-          </p:cNvSpPr>
-          <p:nvPr>
-            <p:ph type="body" idx="1"/>
-          </p:nvPr>
-        </p:nvSpPr>
-        <p:spPr/>
-        <p:txBody>
-          <a:bodyPr>
-            <a:normAutofit/>
-          </a:bodyPr>
-          <a:lstStyle/>
-          <a:p>
-            <a:endParaRPr lang="fr-FR" dirty="0"/>
-          </a:p>
-        </p:txBody>
-      </p:sp>
-      <p:sp>
-        <p:nvSpPr>
-          <p:cNvPr id="4" name="Espace réservé de la date 3"/>
-          <p:cNvSpPr>
-            <a:spLocks noGrp="1"/>
-          </p:cNvSpPr>
-          <p:nvPr>
-            <p:ph type="dt" sz="half" idx="10"/>
-          </p:nvPr>
-        </p:nvSpPr>
-        <p:spPr/>
-        <p:txBody>
-          <a:bodyPr/>
-          <a:lstStyle/>
-          <a:p>
-            <a:fld id="{2DD81289-F393-49B9-8E2A-0EACCAAFFA75}" type="datetime1">
-              <a:rPr lang="fr-FR" smtClean="0"/>
-              <a:t>19/06/2015</a:t>
-            </a:fld>
-            <a:endParaRPr lang="fr-FR"/>
-          </a:p>
-        </p:txBody>
-      </p:sp>
-      <p:sp>
-        <p:nvSpPr>
-          <p:cNvPr id="5" name="Espace réservé du numéro de diapositive 4"/>
-          <p:cNvSpPr>
-            <a:spLocks noGrp="1"/>
-          </p:cNvSpPr>
-          <p:nvPr>
-            <p:ph type="sldNum" sz="quarter" idx="12"/>
-          </p:nvPr>
-        </p:nvSpPr>
-        <p:spPr/>
-        <p:txBody>
-          <a:bodyPr/>
-          <a:lstStyle/>
-          <a:p>
-            <a:fld id="{D74186CF-AB3C-46BB-BBED-0FD9A83C3C1F}" type="slidenum">
-              <a:rPr lang="fr-FR" smtClean="0"/>
-              <a:t>12</a:t>
-            </a:fld>
-            <a:endParaRPr lang="fr-FR"/>
-          </a:p>
-        </p:txBody>
-      </p:sp>
-    </p:spTree>
-    <p:extLst>
-      <p:ext uri="{BB962C8B-B14F-4D97-AF65-F5344CB8AC3E}">
-        <p14:creationId xmlns:p14="http://schemas.microsoft.com/office/powerpoint/2010/main" val="162204640"/>
-      </p:ext>
-    </p:extLst>
-  </p:cSld>
-  <p:clrMapOvr>
-    <a:masterClrMapping/>
-  </p:clrMapOvr>
-  <p:timing>
-    <p:tnLst>
-      <p:par>
-        <p:cTn id="1" dur="indefinite" restart="never" nodeType="tmRoot"/>
-      </p:par>
-    </p:tnLst>
-  </p:timing>
-</p:sld>
-</file>
-
 <file path=ppt/slides/slide13.xml><?xml version="1.0" encoding="utf-8"?>
 <p:sld xmlns:a="http://schemas.openxmlformats.org/drawingml/2006/main" xmlns:r="http://schemas.openxmlformats.org/officeDocument/2006/relationships" xmlns:p="http://schemas.openxmlformats.org/presentationml/2006/main">
   <p:cSld>
@@ -7330,7 +8589,7 @@
       </p:grpSpPr>
       <p:sp>
         <p:nvSpPr>
-          <p:cNvPr id="2" name="Titre 1"/>
+          <p:cNvPr id="6" name="Titre 5"/>
           <p:cNvSpPr>
             <a:spLocks noGrp="1"/>
           </p:cNvSpPr>
@@ -7345,7 +8604,7 @@
           <a:p>
             <a:r>
               <a:rPr lang="fr-FR" dirty="0" smtClean="0"/>
-              <a:t>Développement Web</a:t>
+              <a:t>Développement java</a:t>
             </a:r>
             <a:endParaRPr lang="fr-FR" dirty="0"/>
           </a:p>
@@ -7353,7 +8612,7 @@
       </p:sp>
       <p:sp>
         <p:nvSpPr>
-          <p:cNvPr id="3" name="Espace réservé du texte 2"/>
+          <p:cNvPr id="7" name="Espace réservé du texte 6"/>
           <p:cNvSpPr>
             <a:spLocks noGrp="1"/>
           </p:cNvSpPr>
@@ -7363,26 +8622,20 @@
         </p:nvSpPr>
         <p:spPr/>
         <p:txBody>
-          <a:bodyPr/>
+          <a:bodyPr>
+            <a:normAutofit/>
+          </a:bodyPr>
           <a:lstStyle/>
           <a:p>
             <a:r>
               <a:rPr lang="fr-FR" dirty="0" smtClean="0"/>
-              <a:t>-</a:t>
-            </a:r>
-            <a:r>
-              <a:rPr lang="fr-FR" dirty="0" err="1" smtClean="0"/>
-              <a:t>Frameworks</a:t>
-            </a:r>
+              <a:t>-Technologies utilisées</a:t>
+            </a:r>
+          </a:p>
+          <a:p>
             <a:r>
               <a:rPr lang="fr-FR" dirty="0" smtClean="0"/>
-              <a:t> utilisés</a:t>
-            </a:r>
-          </a:p>
-          <a:p>
-            <a:r>
-              <a:rPr lang="fr-FR" dirty="0" smtClean="0"/>
-              <a:t>-Modèle MVC</a:t>
+              <a:t>-Fonctionnement du code</a:t>
             </a:r>
             <a:endParaRPr lang="fr-FR" dirty="0"/>
           </a:p>
@@ -7403,7 +8656,7 @@
           <a:bodyPr/>
           <a:lstStyle/>
           <a:p>
-            <a:fld id="{8C15CCE8-A220-4D68-A1EC-027069ACB19C}" type="datetime1">
+            <a:fld id="{2DD81289-F393-49B9-8E2A-0EACCAAFFA75}" type="datetime1">
               <a:rPr lang="fr-FR" smtClean="0"/>
               <a:t>19/06/2015</a:t>
             </a:fld>
@@ -7437,7 +8690,7 @@
     </p:spTree>
     <p:extLst>
       <p:ext uri="{BB962C8B-B14F-4D97-AF65-F5344CB8AC3E}">
-        <p14:creationId xmlns:p14="http://schemas.microsoft.com/office/powerpoint/2010/main" val="1968337170"/>
+        <p14:creationId xmlns:p14="http://schemas.microsoft.com/office/powerpoint/2010/main" val="162204640"/>
       </p:ext>
     </p:extLst>
   </p:cSld>
@@ -7488,62 +8741,72 @@
           <a:p>
             <a:r>
               <a:rPr lang="fr-FR" dirty="0" smtClean="0"/>
-              <a:t>Les </a:t>
-            </a:r>
+              <a:t>Technologies utilisées</a:t>
+            </a:r>
+            <a:endParaRPr lang="fr-FR" dirty="0"/>
+          </a:p>
+        </p:txBody>
+      </p:sp>
+      <p:sp>
+        <p:nvSpPr>
+          <p:cNvPr id="7" name="Espace réservé du contenu 6"/>
+          <p:cNvSpPr>
+            <a:spLocks noGrp="1"/>
+          </p:cNvSpPr>
+          <p:nvPr>
+            <p:ph idx="1"/>
+          </p:nvPr>
+        </p:nvSpPr>
+        <p:spPr/>
+        <p:txBody>
+          <a:bodyPr/>
+          <a:lstStyle/>
+          <a:p>
+            <a:r>
+              <a:rPr lang="fr-FR" dirty="0" smtClean="0"/>
+              <a:t>La vue :</a:t>
+            </a:r>
+          </a:p>
+          <a:p>
+            <a:pPr lvl="1"/>
             <a:r>
               <a:rPr lang="fr-FR" dirty="0" err="1" smtClean="0"/>
-              <a:t>frameworks</a:t>
-            </a:r>
-            <a:endParaRPr lang="fr-FR" dirty="0"/>
-          </a:p>
-        </p:txBody>
-      </p:sp>
-      <p:sp>
-        <p:nvSpPr>
-          <p:cNvPr id="7" name="Espace réservé du contenu 6"/>
-          <p:cNvSpPr>
-            <a:spLocks noGrp="1"/>
-          </p:cNvSpPr>
-          <p:nvPr>
-            <p:ph idx="1"/>
-          </p:nvPr>
-        </p:nvSpPr>
-        <p:spPr/>
-        <p:txBody>
-          <a:bodyPr/>
-          <a:lstStyle/>
+              <a:t>JavaFX</a:t>
+            </a:r>
+            <a:endParaRPr lang="fr-FR" dirty="0" smtClean="0"/>
+          </a:p>
+          <a:p>
+            <a:pPr lvl="1"/>
+            <a:r>
+              <a:rPr lang="fr-FR" dirty="0" err="1" smtClean="0"/>
+              <a:t>SceneBuilder</a:t>
+            </a:r>
+            <a:endParaRPr lang="fr-FR" dirty="0" smtClean="0"/>
+          </a:p>
           <a:p>
             <a:r>
               <a:rPr lang="fr-FR" dirty="0" smtClean="0"/>
-              <a:t>JQuery -&gt; </a:t>
+              <a:t>Le </a:t>
             </a:r>
             <a:r>
               <a:rPr lang="fr-FR" dirty="0" err="1" smtClean="0"/>
-              <a:t>framework</a:t>
+              <a:t>modele</a:t>
             </a:r>
             <a:r>
               <a:rPr lang="fr-FR" dirty="0" smtClean="0"/>
-              <a:t> JavaScript</a:t>
-            </a:r>
-          </a:p>
-          <a:p>
+              <a:t> : </a:t>
+            </a:r>
+          </a:p>
+          <a:p>
+            <a:pPr lvl="1"/>
             <a:r>
               <a:rPr lang="fr-FR" dirty="0" err="1" smtClean="0"/>
-              <a:t>Bootstrap</a:t>
+              <a:t>Connector</a:t>
             </a:r>
             <a:r>
               <a:rPr lang="fr-FR" dirty="0" smtClean="0"/>
-              <a:t> -&gt; </a:t>
-            </a:r>
-            <a:r>
-              <a:rPr lang="fr-FR" dirty="0" err="1" smtClean="0"/>
-              <a:t>framework</a:t>
-            </a:r>
-            <a:r>
-              <a:rPr lang="fr-FR" dirty="0" smtClean="0"/>
-              <a:t> CSS</a:t>
-            </a:r>
-            <a:endParaRPr lang="fr-FR" dirty="0"/>
+              <a:t>/J + JDBC</a:t>
+            </a:r>
           </a:p>
         </p:txBody>
       </p:sp>
@@ -7562,11 +8825,11 @@
           <a:bodyPr/>
           <a:lstStyle/>
           <a:p>
-            <a:fld id="{D0DA2825-7AB6-4102-8416-60861DD4355E}" type="datetime1">
+            <a:fld id="{5F25EAF0-E53A-4DD3-8E5A-A104549FFBB4}" type="datetime1">
               <a:rPr lang="fr-FR" smtClean="0"/>
               <a:t>19/06/2015</a:t>
             </a:fld>
-            <a:endParaRPr lang="fr-FR"/>
+            <a:endParaRPr lang="fr-FR" dirty="0"/>
           </a:p>
         </p:txBody>
       </p:sp>
@@ -7596,7 +8859,7 @@
     </p:spTree>
     <p:extLst>
       <p:ext uri="{BB962C8B-B14F-4D97-AF65-F5344CB8AC3E}">
-        <p14:creationId xmlns:p14="http://schemas.microsoft.com/office/powerpoint/2010/main" val="2475916978"/>
+        <p14:creationId xmlns:p14="http://schemas.microsoft.com/office/powerpoint/2010/main" val="119363949"/>
       </p:ext>
     </p:extLst>
   </p:cSld>
@@ -7647,7 +8910,7 @@
           <a:p>
             <a:r>
               <a:rPr lang="fr-FR" dirty="0" smtClean="0"/>
-              <a:t>Le modèle MVC</a:t>
+              <a:t>Fonctionnement du code</a:t>
             </a:r>
             <a:endParaRPr lang="fr-FR" dirty="0"/>
           </a:p>
@@ -7668,6 +8931,9 @@
           <a:bodyPr/>
           <a:lstStyle/>
           <a:p>
+            <a:pPr marL="0" indent="0">
+              <a:buNone/>
+            </a:pPr>
             <a:endParaRPr lang="fr-FR" dirty="0"/>
           </a:p>
         </p:txBody>
@@ -7687,7 +8953,7 @@
           <a:bodyPr/>
           <a:lstStyle/>
           <a:p>
-            <a:fld id="{B3956924-0CA6-4D61-AB49-F7A0DA919D01}" type="datetime1">
+            <a:fld id="{A8820F06-91DB-439E-8167-302FEFA49B98}" type="datetime1">
               <a:rPr lang="fr-FR" smtClean="0"/>
               <a:t>19/06/2015</a:t>
             </a:fld>
@@ -7713,6 +8979,704 @@
             <a:fld id="{D74186CF-AB3C-46BB-BBED-0FD9A83C3C1F}" type="slidenum">
               <a:rPr lang="fr-FR" smtClean="0"/>
               <a:t>15</a:t>
+            </a:fld>
+            <a:endParaRPr lang="fr-FR"/>
+          </a:p>
+        </p:txBody>
+      </p:sp>
+      <p:sp>
+        <p:nvSpPr>
+          <p:cNvPr id="6" name="Rectangle 5"/>
+          <p:cNvSpPr/>
+          <p:nvPr/>
+        </p:nvSpPr>
+        <p:spPr>
+          <a:xfrm>
+            <a:off x="3993029" y="2906973"/>
+            <a:ext cx="1965277" cy="764274"/>
+          </a:xfrm>
+          <a:prstGeom prst="rect">
+            <a:avLst/>
+          </a:prstGeom>
+        </p:spPr>
+        <p:style>
+          <a:lnRef idx="2">
+            <a:schemeClr val="accent1">
+              <a:shade val="50000"/>
+            </a:schemeClr>
+          </a:lnRef>
+          <a:fillRef idx="1">
+            <a:schemeClr val="accent1"/>
+          </a:fillRef>
+          <a:effectRef idx="0">
+            <a:schemeClr val="accent1"/>
+          </a:effectRef>
+          <a:fontRef idx="minor">
+            <a:schemeClr val="lt1"/>
+          </a:fontRef>
+        </p:style>
+        <p:txBody>
+          <a:bodyPr rtlCol="0" anchor="ctr"/>
+          <a:lstStyle/>
+          <a:p>
+            <a:pPr algn="ctr"/>
+            <a:r>
+              <a:rPr lang="fr-FR" dirty="0" smtClean="0"/>
+              <a:t>Contrôleur</a:t>
+            </a:r>
+            <a:endParaRPr lang="fr-FR" dirty="0"/>
+          </a:p>
+        </p:txBody>
+      </p:sp>
+      <p:cxnSp>
+        <p:nvCxnSpPr>
+          <p:cNvPr id="8" name="Connecteur droit avec flèche 7"/>
+          <p:cNvCxnSpPr/>
+          <p:nvPr/>
+        </p:nvCxnSpPr>
+        <p:spPr>
+          <a:xfrm>
+            <a:off x="5936776" y="3616657"/>
+            <a:ext cx="1724326" cy="0"/>
+          </a:xfrm>
+          <a:prstGeom prst="straightConnector1">
+            <a:avLst/>
+          </a:prstGeom>
+          <a:ln>
+            <a:tailEnd type="triangle"/>
+          </a:ln>
+        </p:spPr>
+        <p:style>
+          <a:lnRef idx="1">
+            <a:schemeClr val="accent1"/>
+          </a:lnRef>
+          <a:fillRef idx="0">
+            <a:schemeClr val="accent1"/>
+          </a:fillRef>
+          <a:effectRef idx="0">
+            <a:schemeClr val="accent1"/>
+          </a:effectRef>
+          <a:fontRef idx="minor">
+            <a:schemeClr val="tx1"/>
+          </a:fontRef>
+        </p:style>
+      </p:cxnSp>
+      <p:sp>
+        <p:nvSpPr>
+          <p:cNvPr id="9" name="Rectangle 8"/>
+          <p:cNvSpPr/>
+          <p:nvPr/>
+        </p:nvSpPr>
+        <p:spPr>
+          <a:xfrm>
+            <a:off x="7661102" y="3289110"/>
+            <a:ext cx="1469250" cy="668741"/>
+          </a:xfrm>
+          <a:prstGeom prst="rect">
+            <a:avLst/>
+          </a:prstGeom>
+        </p:spPr>
+        <p:style>
+          <a:lnRef idx="3">
+            <a:schemeClr val="lt1"/>
+          </a:lnRef>
+          <a:fillRef idx="1">
+            <a:schemeClr val="accent6"/>
+          </a:fillRef>
+          <a:effectRef idx="1">
+            <a:schemeClr val="accent6"/>
+          </a:effectRef>
+          <a:fontRef idx="minor">
+            <a:schemeClr val="lt1"/>
+          </a:fontRef>
+        </p:style>
+        <p:txBody>
+          <a:bodyPr rtlCol="0" anchor="ctr"/>
+          <a:lstStyle/>
+          <a:p>
+            <a:pPr algn="ctr"/>
+            <a:r>
+              <a:rPr lang="fr-FR" dirty="0" smtClean="0"/>
+              <a:t>Modèle</a:t>
+            </a:r>
+            <a:endParaRPr lang="fr-FR" dirty="0"/>
+          </a:p>
+        </p:txBody>
+      </p:sp>
+      <p:cxnSp>
+        <p:nvCxnSpPr>
+          <p:cNvPr id="11" name="Connecteur droit avec flèche 10"/>
+          <p:cNvCxnSpPr/>
+          <p:nvPr/>
+        </p:nvCxnSpPr>
+        <p:spPr>
+          <a:xfrm>
+            <a:off x="8117072" y="3957851"/>
+            <a:ext cx="0" cy="573206"/>
+          </a:xfrm>
+          <a:prstGeom prst="straightConnector1">
+            <a:avLst/>
+          </a:prstGeom>
+          <a:ln>
+            <a:tailEnd type="triangle"/>
+          </a:ln>
+        </p:spPr>
+        <p:style>
+          <a:lnRef idx="1">
+            <a:schemeClr val="accent1"/>
+          </a:lnRef>
+          <a:fillRef idx="0">
+            <a:schemeClr val="accent1"/>
+          </a:fillRef>
+          <a:effectRef idx="0">
+            <a:schemeClr val="accent1"/>
+          </a:effectRef>
+          <a:fontRef idx="minor">
+            <a:schemeClr val="tx1"/>
+          </a:fontRef>
+        </p:style>
+      </p:cxnSp>
+      <p:sp>
+        <p:nvSpPr>
+          <p:cNvPr id="12" name="Cylindre 11"/>
+          <p:cNvSpPr/>
+          <p:nvPr/>
+        </p:nvSpPr>
+        <p:spPr>
+          <a:xfrm>
+            <a:off x="7779224" y="4531057"/>
+            <a:ext cx="811439" cy="1132764"/>
+          </a:xfrm>
+          <a:prstGeom prst="can">
+            <a:avLst/>
+          </a:prstGeom>
+        </p:spPr>
+        <p:style>
+          <a:lnRef idx="1">
+            <a:schemeClr val="accent2"/>
+          </a:lnRef>
+          <a:fillRef idx="2">
+            <a:schemeClr val="accent2"/>
+          </a:fillRef>
+          <a:effectRef idx="1">
+            <a:schemeClr val="accent2"/>
+          </a:effectRef>
+          <a:fontRef idx="minor">
+            <a:schemeClr val="dk1"/>
+          </a:fontRef>
+        </p:style>
+        <p:txBody>
+          <a:bodyPr rtlCol="0" anchor="ctr"/>
+          <a:lstStyle/>
+          <a:p>
+            <a:pPr algn="ctr"/>
+            <a:r>
+              <a:rPr lang="fr-FR" dirty="0" smtClean="0"/>
+              <a:t>BD</a:t>
+            </a:r>
+            <a:endParaRPr lang="fr-FR" dirty="0"/>
+          </a:p>
+        </p:txBody>
+      </p:sp>
+      <p:cxnSp>
+        <p:nvCxnSpPr>
+          <p:cNvPr id="14" name="Connecteur droit avec flèche 13"/>
+          <p:cNvCxnSpPr/>
+          <p:nvPr/>
+        </p:nvCxnSpPr>
+        <p:spPr>
+          <a:xfrm flipH="1">
+            <a:off x="2784143" y="3398293"/>
+            <a:ext cx="1173708" cy="0"/>
+          </a:xfrm>
+          <a:prstGeom prst="straightConnector1">
+            <a:avLst/>
+          </a:prstGeom>
+          <a:ln>
+            <a:tailEnd type="triangle"/>
+          </a:ln>
+        </p:spPr>
+        <p:style>
+          <a:lnRef idx="1">
+            <a:schemeClr val="accent1"/>
+          </a:lnRef>
+          <a:fillRef idx="0">
+            <a:schemeClr val="accent1"/>
+          </a:fillRef>
+          <a:effectRef idx="0">
+            <a:schemeClr val="accent1"/>
+          </a:effectRef>
+          <a:fontRef idx="minor">
+            <a:schemeClr val="tx1"/>
+          </a:fontRef>
+        </p:style>
+      </p:cxnSp>
+      <p:sp>
+        <p:nvSpPr>
+          <p:cNvPr id="15" name="Rectangle 14"/>
+          <p:cNvSpPr/>
+          <p:nvPr/>
+        </p:nvSpPr>
+        <p:spPr>
+          <a:xfrm>
+            <a:off x="955343" y="2906973"/>
+            <a:ext cx="1856096" cy="1050878"/>
+          </a:xfrm>
+          <a:prstGeom prst="rect">
+            <a:avLst/>
+          </a:prstGeom>
+        </p:spPr>
+        <p:style>
+          <a:lnRef idx="2">
+            <a:schemeClr val="accent4">
+              <a:shade val="50000"/>
+            </a:schemeClr>
+          </a:lnRef>
+          <a:fillRef idx="1">
+            <a:schemeClr val="accent4"/>
+          </a:fillRef>
+          <a:effectRef idx="0">
+            <a:schemeClr val="accent4"/>
+          </a:effectRef>
+          <a:fontRef idx="minor">
+            <a:schemeClr val="lt1"/>
+          </a:fontRef>
+        </p:style>
+        <p:txBody>
+          <a:bodyPr rtlCol="0" anchor="ctr"/>
+          <a:lstStyle/>
+          <a:p>
+            <a:pPr algn="ctr"/>
+            <a:r>
+              <a:rPr lang="fr-FR" dirty="0" smtClean="0"/>
+              <a:t>Vue</a:t>
+            </a:r>
+            <a:endParaRPr lang="fr-FR" dirty="0"/>
+          </a:p>
+        </p:txBody>
+      </p:sp>
+    </p:spTree>
+    <p:extLst>
+      <p:ext uri="{BB962C8B-B14F-4D97-AF65-F5344CB8AC3E}">
+        <p14:creationId xmlns:p14="http://schemas.microsoft.com/office/powerpoint/2010/main" val="395689669"/>
+      </p:ext>
+    </p:extLst>
+  </p:cSld>
+  <p:clrMapOvr>
+    <a:masterClrMapping/>
+  </p:clrMapOvr>
+  <p:timing>
+    <p:tnLst>
+      <p:par>
+        <p:cTn id="1" dur="indefinite" restart="never" nodeType="tmRoot"/>
+      </p:par>
+    </p:tnLst>
+  </p:timing>
+</p:sld>
+</file>
+
+<file path=ppt/slides/slide16.xml><?xml version="1.0" encoding="utf-8"?>
+<p:sld xmlns:a="http://schemas.openxmlformats.org/drawingml/2006/main" xmlns:r="http://schemas.openxmlformats.org/officeDocument/2006/relationships" xmlns:p="http://schemas.openxmlformats.org/presentationml/2006/main">
+  <p:cSld>
+    <p:spTree>
+      <p:nvGrpSpPr>
+        <p:cNvPr id="1" name=""/>
+        <p:cNvGrpSpPr/>
+        <p:nvPr/>
+      </p:nvGrpSpPr>
+      <p:grpSpPr>
+        <a:xfrm>
+          <a:off x="0" y="0"/>
+          <a:ext cx="0" cy="0"/>
+          <a:chOff x="0" y="0"/>
+          <a:chExt cx="0" cy="0"/>
+        </a:xfrm>
+      </p:grpSpPr>
+      <p:sp>
+        <p:nvSpPr>
+          <p:cNvPr id="2" name="Titre 1"/>
+          <p:cNvSpPr>
+            <a:spLocks noGrp="1"/>
+          </p:cNvSpPr>
+          <p:nvPr>
+            <p:ph type="title"/>
+          </p:nvPr>
+        </p:nvSpPr>
+        <p:spPr/>
+        <p:txBody>
+          <a:bodyPr/>
+          <a:lstStyle/>
+          <a:p>
+            <a:r>
+              <a:rPr lang="fr-FR" dirty="0" smtClean="0"/>
+              <a:t>Développement Web</a:t>
+            </a:r>
+            <a:endParaRPr lang="fr-FR" dirty="0"/>
+          </a:p>
+        </p:txBody>
+      </p:sp>
+      <p:sp>
+        <p:nvSpPr>
+          <p:cNvPr id="3" name="Espace réservé du texte 2"/>
+          <p:cNvSpPr>
+            <a:spLocks noGrp="1"/>
+          </p:cNvSpPr>
+          <p:nvPr>
+            <p:ph type="body" idx="1"/>
+          </p:nvPr>
+        </p:nvSpPr>
+        <p:spPr/>
+        <p:txBody>
+          <a:bodyPr/>
+          <a:lstStyle/>
+          <a:p>
+            <a:r>
+              <a:rPr lang="fr-FR" dirty="0" smtClean="0"/>
+              <a:t>-</a:t>
+            </a:r>
+            <a:r>
+              <a:rPr lang="fr-FR" dirty="0" err="1" smtClean="0"/>
+              <a:t>Frameworks</a:t>
+            </a:r>
+            <a:r>
+              <a:rPr lang="fr-FR" dirty="0" smtClean="0"/>
+              <a:t> utilisés</a:t>
+            </a:r>
+          </a:p>
+          <a:p>
+            <a:r>
+              <a:rPr lang="fr-FR" dirty="0" smtClean="0"/>
+              <a:t>-Modèle MVC</a:t>
+            </a:r>
+            <a:endParaRPr lang="fr-FR" dirty="0"/>
+          </a:p>
+        </p:txBody>
+      </p:sp>
+      <p:sp>
+        <p:nvSpPr>
+          <p:cNvPr id="4" name="Espace réservé de la date 3"/>
+          <p:cNvSpPr>
+            <a:spLocks noGrp="1"/>
+          </p:cNvSpPr>
+          <p:nvPr>
+            <p:ph type="dt" sz="half" idx="10"/>
+          </p:nvPr>
+        </p:nvSpPr>
+        <p:spPr/>
+        <p:txBody>
+          <a:bodyPr/>
+          <a:lstStyle/>
+          <a:p>
+            <a:fld id="{8C15CCE8-A220-4D68-A1EC-027069ACB19C}" type="datetime1">
+              <a:rPr lang="fr-FR" smtClean="0"/>
+              <a:t>19/06/2015</a:t>
+            </a:fld>
+            <a:endParaRPr lang="fr-FR"/>
+          </a:p>
+        </p:txBody>
+      </p:sp>
+      <p:sp>
+        <p:nvSpPr>
+          <p:cNvPr id="5" name="Espace réservé du numéro de diapositive 4"/>
+          <p:cNvSpPr>
+            <a:spLocks noGrp="1"/>
+          </p:cNvSpPr>
+          <p:nvPr>
+            <p:ph type="sldNum" sz="quarter" idx="12"/>
+          </p:nvPr>
+        </p:nvSpPr>
+        <p:spPr/>
+        <p:txBody>
+          <a:bodyPr/>
+          <a:lstStyle/>
+          <a:p>
+            <a:fld id="{D74186CF-AB3C-46BB-BBED-0FD9A83C3C1F}" type="slidenum">
+              <a:rPr lang="fr-FR" smtClean="0"/>
+              <a:t>16</a:t>
+            </a:fld>
+            <a:endParaRPr lang="fr-FR"/>
+          </a:p>
+        </p:txBody>
+      </p:sp>
+    </p:spTree>
+    <p:extLst>
+      <p:ext uri="{BB962C8B-B14F-4D97-AF65-F5344CB8AC3E}">
+        <p14:creationId xmlns:p14="http://schemas.microsoft.com/office/powerpoint/2010/main" val="1968337170"/>
+      </p:ext>
+    </p:extLst>
+  </p:cSld>
+  <p:clrMapOvr>
+    <a:masterClrMapping/>
+  </p:clrMapOvr>
+  <p:timing>
+    <p:tnLst>
+      <p:par>
+        <p:cTn id="1" dur="indefinite" restart="never" nodeType="tmRoot"/>
+      </p:par>
+    </p:tnLst>
+  </p:timing>
+</p:sld>
+</file>
+
+<file path=ppt/slides/slide17.xml><?xml version="1.0" encoding="utf-8"?>
+<p:sld xmlns:a="http://schemas.openxmlformats.org/drawingml/2006/main" xmlns:r="http://schemas.openxmlformats.org/officeDocument/2006/relationships" xmlns:p="http://schemas.openxmlformats.org/presentationml/2006/main">
+  <p:cSld>
+    <p:spTree>
+      <p:nvGrpSpPr>
+        <p:cNvPr id="1" name=""/>
+        <p:cNvGrpSpPr/>
+        <p:nvPr/>
+      </p:nvGrpSpPr>
+      <p:grpSpPr>
+        <a:xfrm>
+          <a:off x="0" y="0"/>
+          <a:ext cx="0" cy="0"/>
+          <a:chOff x="0" y="0"/>
+          <a:chExt cx="0" cy="0"/>
+        </a:xfrm>
+      </p:grpSpPr>
+      <p:sp>
+        <p:nvSpPr>
+          <p:cNvPr id="6" name="Titre 5"/>
+          <p:cNvSpPr>
+            <a:spLocks noGrp="1"/>
+          </p:cNvSpPr>
+          <p:nvPr>
+            <p:ph type="title"/>
+          </p:nvPr>
+        </p:nvSpPr>
+        <p:spPr/>
+        <p:txBody>
+          <a:bodyPr/>
+          <a:lstStyle/>
+          <a:p>
+            <a:r>
+              <a:rPr lang="fr-FR" dirty="0" smtClean="0"/>
+              <a:t>Les </a:t>
+            </a:r>
+            <a:r>
+              <a:rPr lang="fr-FR" dirty="0" err="1" smtClean="0"/>
+              <a:t>frameworks</a:t>
+            </a:r>
+            <a:endParaRPr lang="fr-FR" dirty="0"/>
+          </a:p>
+        </p:txBody>
+      </p:sp>
+      <p:sp>
+        <p:nvSpPr>
+          <p:cNvPr id="7" name="Espace réservé du contenu 6"/>
+          <p:cNvSpPr>
+            <a:spLocks noGrp="1"/>
+          </p:cNvSpPr>
+          <p:nvPr>
+            <p:ph idx="1"/>
+          </p:nvPr>
+        </p:nvSpPr>
+        <p:spPr/>
+        <p:txBody>
+          <a:bodyPr/>
+          <a:lstStyle/>
+          <a:p>
+            <a:r>
+              <a:rPr lang="fr-FR" dirty="0" smtClean="0"/>
+              <a:t>JQuery -&gt; </a:t>
+            </a:r>
+            <a:r>
+              <a:rPr lang="fr-FR" dirty="0" err="1" smtClean="0"/>
+              <a:t>framework</a:t>
+            </a:r>
+            <a:r>
+              <a:rPr lang="fr-FR" dirty="0" smtClean="0"/>
+              <a:t> JavaScript</a:t>
+            </a:r>
+          </a:p>
+          <a:p>
+            <a:r>
+              <a:rPr lang="fr-FR" dirty="0" err="1" smtClean="0"/>
+              <a:t>Bootstrap</a:t>
+            </a:r>
+            <a:r>
+              <a:rPr lang="fr-FR" dirty="0" smtClean="0"/>
+              <a:t> -&gt; </a:t>
+            </a:r>
+            <a:r>
+              <a:rPr lang="fr-FR" dirty="0" err="1" smtClean="0"/>
+              <a:t>framework</a:t>
+            </a:r>
+            <a:r>
+              <a:rPr lang="fr-FR" dirty="0" smtClean="0"/>
+              <a:t> CSS</a:t>
+            </a:r>
+            <a:endParaRPr lang="fr-FR" dirty="0"/>
+          </a:p>
+        </p:txBody>
+      </p:sp>
+      <p:sp>
+        <p:nvSpPr>
+          <p:cNvPr id="4" name="Espace réservé de la date 3"/>
+          <p:cNvSpPr>
+            <a:spLocks noGrp="1"/>
+          </p:cNvSpPr>
+          <p:nvPr>
+            <p:ph type="dt" sz="half" idx="10"/>
+          </p:nvPr>
+        </p:nvSpPr>
+        <p:spPr/>
+        <p:txBody>
+          <a:bodyPr/>
+          <a:lstStyle/>
+          <a:p>
+            <a:fld id="{D0DA2825-7AB6-4102-8416-60861DD4355E}" type="datetime1">
+              <a:rPr lang="fr-FR" smtClean="0"/>
+              <a:t>19/06/2015</a:t>
+            </a:fld>
+            <a:endParaRPr lang="fr-FR"/>
+          </a:p>
+        </p:txBody>
+      </p:sp>
+      <p:sp>
+        <p:nvSpPr>
+          <p:cNvPr id="5" name="Espace réservé du numéro de diapositive 4"/>
+          <p:cNvSpPr>
+            <a:spLocks noGrp="1"/>
+          </p:cNvSpPr>
+          <p:nvPr>
+            <p:ph type="sldNum" sz="quarter" idx="12"/>
+          </p:nvPr>
+        </p:nvSpPr>
+        <p:spPr/>
+        <p:txBody>
+          <a:bodyPr/>
+          <a:lstStyle/>
+          <a:p>
+            <a:fld id="{D74186CF-AB3C-46BB-BBED-0FD9A83C3C1F}" type="slidenum">
+              <a:rPr lang="fr-FR" smtClean="0"/>
+              <a:t>17</a:t>
+            </a:fld>
+            <a:endParaRPr lang="fr-FR"/>
+          </a:p>
+        </p:txBody>
+      </p:sp>
+    </p:spTree>
+    <p:extLst>
+      <p:ext uri="{BB962C8B-B14F-4D97-AF65-F5344CB8AC3E}">
+        <p14:creationId xmlns:p14="http://schemas.microsoft.com/office/powerpoint/2010/main" val="2475916978"/>
+      </p:ext>
+    </p:extLst>
+  </p:cSld>
+  <p:clrMapOvr>
+    <a:masterClrMapping/>
+  </p:clrMapOvr>
+  <p:timing>
+    <p:tnLst>
+      <p:par>
+        <p:cTn id="1" dur="indefinite" restart="never" nodeType="tmRoot"/>
+      </p:par>
+    </p:tnLst>
+  </p:timing>
+</p:sld>
+</file>
+
+<file path=ppt/slides/slide18.xml><?xml version="1.0" encoding="utf-8"?>
+<p:sld xmlns:a="http://schemas.openxmlformats.org/drawingml/2006/main" xmlns:r="http://schemas.openxmlformats.org/officeDocument/2006/relationships" xmlns:p="http://schemas.openxmlformats.org/presentationml/2006/main">
+  <p:cSld>
+    <p:spTree>
+      <p:nvGrpSpPr>
+        <p:cNvPr id="1" name=""/>
+        <p:cNvGrpSpPr/>
+        <p:nvPr/>
+      </p:nvGrpSpPr>
+      <p:grpSpPr>
+        <a:xfrm>
+          <a:off x="0" y="0"/>
+          <a:ext cx="0" cy="0"/>
+          <a:chOff x="0" y="0"/>
+          <a:chExt cx="0" cy="0"/>
+        </a:xfrm>
+      </p:grpSpPr>
+      <p:sp>
+        <p:nvSpPr>
+          <p:cNvPr id="2" name="Titre 1"/>
+          <p:cNvSpPr>
+            <a:spLocks noGrp="1"/>
+          </p:cNvSpPr>
+          <p:nvPr>
+            <p:ph type="title"/>
+          </p:nvPr>
+        </p:nvSpPr>
+        <p:spPr/>
+        <p:txBody>
+          <a:bodyPr/>
+          <a:lstStyle/>
+          <a:p>
+            <a:r>
+              <a:rPr lang="fr-FR" dirty="0" smtClean="0"/>
+              <a:t>Le modèle MVC</a:t>
+            </a:r>
+            <a:endParaRPr lang="fr-FR" dirty="0"/>
+          </a:p>
+        </p:txBody>
+      </p:sp>
+      <p:sp>
+        <p:nvSpPr>
+          <p:cNvPr id="3" name="Espace réservé du contenu 2"/>
+          <p:cNvSpPr>
+            <a:spLocks noGrp="1"/>
+          </p:cNvSpPr>
+          <p:nvPr>
+            <p:ph idx="1"/>
+          </p:nvPr>
+        </p:nvSpPr>
+        <p:spPr/>
+        <p:txBody>
+          <a:bodyPr/>
+          <a:lstStyle/>
+          <a:p>
+            <a:endParaRPr lang="fr-FR" dirty="0"/>
+          </a:p>
+        </p:txBody>
+      </p:sp>
+      <p:sp>
+        <p:nvSpPr>
+          <p:cNvPr id="4" name="Espace réservé de la date 3"/>
+          <p:cNvSpPr>
+            <a:spLocks noGrp="1"/>
+          </p:cNvSpPr>
+          <p:nvPr>
+            <p:ph type="dt" sz="half" idx="10"/>
+          </p:nvPr>
+        </p:nvSpPr>
+        <p:spPr/>
+        <p:txBody>
+          <a:bodyPr/>
+          <a:lstStyle/>
+          <a:p>
+            <a:fld id="{B3956924-0CA6-4D61-AB49-F7A0DA919D01}" type="datetime1">
+              <a:rPr lang="fr-FR" smtClean="0"/>
+              <a:t>19/06/2015</a:t>
+            </a:fld>
+            <a:endParaRPr lang="fr-FR"/>
+          </a:p>
+        </p:txBody>
+      </p:sp>
+      <p:sp>
+        <p:nvSpPr>
+          <p:cNvPr id="5" name="Espace réservé du numéro de diapositive 4"/>
+          <p:cNvSpPr>
+            <a:spLocks noGrp="1"/>
+          </p:cNvSpPr>
+          <p:nvPr>
+            <p:ph type="sldNum" sz="quarter" idx="12"/>
+          </p:nvPr>
+        </p:nvSpPr>
+        <p:spPr/>
+        <p:txBody>
+          <a:bodyPr/>
+          <a:lstStyle/>
+          <a:p>
+            <a:fld id="{D74186CF-AB3C-46BB-BBED-0FD9A83C3C1F}" type="slidenum">
+              <a:rPr lang="fr-FR" smtClean="0"/>
+              <a:t>18</a:t>
             </a:fld>
             <a:endParaRPr lang="fr-FR"/>
           </a:p>
@@ -8489,7 +10453,7 @@
 </p:sld>
 </file>
 
-<file path=ppt/slides/slide16.xml><?xml version="1.0" encoding="utf-8"?>
+<file path=ppt/slides/slide19.xml><?xml version="1.0" encoding="utf-8"?>
 <p:sld xmlns:a="http://schemas.openxmlformats.org/drawingml/2006/main" xmlns:r="http://schemas.openxmlformats.org/officeDocument/2006/relationships" xmlns:p="http://schemas.openxmlformats.org/presentationml/2006/main">
   <p:cSld>
     <p:spTree>
@@ -8600,7 +10564,7 @@
           <a:p>
             <a:fld id="{D74186CF-AB3C-46BB-BBED-0FD9A83C3C1F}" type="slidenum">
               <a:rPr lang="fr-FR" smtClean="0"/>
-              <a:t>16</a:t>
+              <a:t>19</a:t>
             </a:fld>
             <a:endParaRPr lang="fr-FR"/>
           </a:p>
@@ -8610,131 +10574,6 @@
     <p:extLst>
       <p:ext uri="{BB962C8B-B14F-4D97-AF65-F5344CB8AC3E}">
         <p14:creationId xmlns:p14="http://schemas.microsoft.com/office/powerpoint/2010/main" val="963552235"/>
-      </p:ext>
-    </p:extLst>
-  </p:cSld>
-  <p:clrMapOvr>
-    <a:masterClrMapping/>
-  </p:clrMapOvr>
-  <p:timing>
-    <p:tnLst>
-      <p:par>
-        <p:cTn id="1" dur="indefinite" restart="never" nodeType="tmRoot"/>
-      </p:par>
-    </p:tnLst>
-  </p:timing>
-</p:sld>
-</file>
-
-<file path=ppt/slides/slide17.xml><?xml version="1.0" encoding="utf-8"?>
-<p:sld xmlns:a="http://schemas.openxmlformats.org/drawingml/2006/main" xmlns:r="http://schemas.openxmlformats.org/officeDocument/2006/relationships" xmlns:p="http://schemas.openxmlformats.org/presentationml/2006/main">
-  <p:cSld>
-    <p:spTree>
-      <p:nvGrpSpPr>
-        <p:cNvPr id="1" name=""/>
-        <p:cNvGrpSpPr/>
-        <p:nvPr/>
-      </p:nvGrpSpPr>
-      <p:grpSpPr>
-        <a:xfrm>
-          <a:off x="0" y="0"/>
-          <a:ext cx="0" cy="0"/>
-          <a:chOff x="0" y="0"/>
-          <a:chExt cx="0" cy="0"/>
-        </a:xfrm>
-      </p:grpSpPr>
-      <p:sp>
-        <p:nvSpPr>
-          <p:cNvPr id="12" name="Titre 11"/>
-          <p:cNvSpPr>
-            <a:spLocks noGrp="1"/>
-          </p:cNvSpPr>
-          <p:nvPr>
-            <p:ph type="ctrTitle"/>
-          </p:nvPr>
-        </p:nvSpPr>
-        <p:spPr/>
-        <p:txBody>
-          <a:bodyPr/>
-          <a:lstStyle/>
-          <a:p>
-            <a:r>
-              <a:rPr lang="fr-FR" dirty="0" smtClean="0"/>
-              <a:t>Démonstration</a:t>
-            </a:r>
-            <a:endParaRPr lang="fr-FR" dirty="0"/>
-          </a:p>
-        </p:txBody>
-      </p:sp>
-      <p:sp>
-        <p:nvSpPr>
-          <p:cNvPr id="13" name="Sous-titre 12"/>
-          <p:cNvSpPr>
-            <a:spLocks noGrp="1"/>
-          </p:cNvSpPr>
-          <p:nvPr>
-            <p:ph type="subTitle" idx="1"/>
-          </p:nvPr>
-        </p:nvSpPr>
-        <p:spPr/>
-        <p:txBody>
-          <a:bodyPr/>
-          <a:lstStyle/>
-          <a:p>
-            <a:endParaRPr lang="fr-FR"/>
-          </a:p>
-        </p:txBody>
-      </p:sp>
-      <p:sp>
-        <p:nvSpPr>
-          <p:cNvPr id="4" name="Espace réservé de la date 3"/>
-          <p:cNvSpPr>
-            <a:spLocks noGrp="1"/>
-          </p:cNvSpPr>
-          <p:nvPr>
-            <p:ph type="dt" sz="half" idx="10"/>
-          </p:nvPr>
-        </p:nvSpPr>
-        <p:spPr/>
-        <p:txBody>
-          <a:bodyPr/>
-          <a:lstStyle/>
-          <a:p>
-            <a:fld id="{1D37CC3F-190B-470C-9983-F9C84DA7ED6C}" type="datetime1">
-              <a:rPr lang="fr-FR" smtClean="0"/>
-              <a:t>19/06/2015</a:t>
-            </a:fld>
-            <a:endParaRPr lang="fr-FR"/>
-          </a:p>
-        </p:txBody>
-      </p:sp>
-      <p:sp>
-        <p:nvSpPr>
-          <p:cNvPr id="5" name="Espace réservé du numéro de diapositive 4"/>
-          <p:cNvSpPr>
-            <a:spLocks noGrp="1"/>
-          </p:cNvSpPr>
-          <p:nvPr>
-            <p:ph type="sldNum" sz="quarter" idx="12"/>
-          </p:nvPr>
-        </p:nvSpPr>
-        <p:spPr/>
-        <p:txBody>
-          <a:bodyPr/>
-          <a:lstStyle/>
-          <a:p>
-            <a:fld id="{D74186CF-AB3C-46BB-BBED-0FD9A83C3C1F}" type="slidenum">
-              <a:rPr lang="fr-FR" smtClean="0"/>
-              <a:t>17</a:t>
-            </a:fld>
-            <a:endParaRPr lang="fr-FR"/>
-          </a:p>
-        </p:txBody>
-      </p:sp>
-    </p:spTree>
-    <p:extLst>
-      <p:ext uri="{BB962C8B-B14F-4D97-AF65-F5344CB8AC3E}">
-        <p14:creationId xmlns:p14="http://schemas.microsoft.com/office/powerpoint/2010/main" val="3827976749"/>
       </p:ext>
     </p:extLst>
   </p:cSld>
@@ -8893,6 +10732,131 @@
 </p:sld>
 </file>
 
+<file path=ppt/slides/slide20.xml><?xml version="1.0" encoding="utf-8"?>
+<p:sld xmlns:a="http://schemas.openxmlformats.org/drawingml/2006/main" xmlns:r="http://schemas.openxmlformats.org/officeDocument/2006/relationships" xmlns:p="http://schemas.openxmlformats.org/presentationml/2006/main">
+  <p:cSld>
+    <p:spTree>
+      <p:nvGrpSpPr>
+        <p:cNvPr id="1" name=""/>
+        <p:cNvGrpSpPr/>
+        <p:nvPr/>
+      </p:nvGrpSpPr>
+      <p:grpSpPr>
+        <a:xfrm>
+          <a:off x="0" y="0"/>
+          <a:ext cx="0" cy="0"/>
+          <a:chOff x="0" y="0"/>
+          <a:chExt cx="0" cy="0"/>
+        </a:xfrm>
+      </p:grpSpPr>
+      <p:sp>
+        <p:nvSpPr>
+          <p:cNvPr id="12" name="Titre 11"/>
+          <p:cNvSpPr>
+            <a:spLocks noGrp="1"/>
+          </p:cNvSpPr>
+          <p:nvPr>
+            <p:ph type="ctrTitle"/>
+          </p:nvPr>
+        </p:nvSpPr>
+        <p:spPr/>
+        <p:txBody>
+          <a:bodyPr/>
+          <a:lstStyle/>
+          <a:p>
+            <a:r>
+              <a:rPr lang="fr-FR" dirty="0" smtClean="0"/>
+              <a:t>Démonstration</a:t>
+            </a:r>
+            <a:endParaRPr lang="fr-FR" dirty="0"/>
+          </a:p>
+        </p:txBody>
+      </p:sp>
+      <p:sp>
+        <p:nvSpPr>
+          <p:cNvPr id="13" name="Sous-titre 12"/>
+          <p:cNvSpPr>
+            <a:spLocks noGrp="1"/>
+          </p:cNvSpPr>
+          <p:nvPr>
+            <p:ph type="subTitle" idx="1"/>
+          </p:nvPr>
+        </p:nvSpPr>
+        <p:spPr/>
+        <p:txBody>
+          <a:bodyPr/>
+          <a:lstStyle/>
+          <a:p>
+            <a:endParaRPr lang="fr-FR"/>
+          </a:p>
+        </p:txBody>
+      </p:sp>
+      <p:sp>
+        <p:nvSpPr>
+          <p:cNvPr id="4" name="Espace réservé de la date 3"/>
+          <p:cNvSpPr>
+            <a:spLocks noGrp="1"/>
+          </p:cNvSpPr>
+          <p:nvPr>
+            <p:ph type="dt" sz="half" idx="10"/>
+          </p:nvPr>
+        </p:nvSpPr>
+        <p:spPr/>
+        <p:txBody>
+          <a:bodyPr/>
+          <a:lstStyle/>
+          <a:p>
+            <a:fld id="{1D37CC3F-190B-470C-9983-F9C84DA7ED6C}" type="datetime1">
+              <a:rPr lang="fr-FR" smtClean="0"/>
+              <a:t>19/06/2015</a:t>
+            </a:fld>
+            <a:endParaRPr lang="fr-FR"/>
+          </a:p>
+        </p:txBody>
+      </p:sp>
+      <p:sp>
+        <p:nvSpPr>
+          <p:cNvPr id="5" name="Espace réservé du numéro de diapositive 4"/>
+          <p:cNvSpPr>
+            <a:spLocks noGrp="1"/>
+          </p:cNvSpPr>
+          <p:nvPr>
+            <p:ph type="sldNum" sz="quarter" idx="12"/>
+          </p:nvPr>
+        </p:nvSpPr>
+        <p:spPr/>
+        <p:txBody>
+          <a:bodyPr/>
+          <a:lstStyle/>
+          <a:p>
+            <a:fld id="{D74186CF-AB3C-46BB-BBED-0FD9A83C3C1F}" type="slidenum">
+              <a:rPr lang="fr-FR" smtClean="0"/>
+              <a:t>20</a:t>
+            </a:fld>
+            <a:endParaRPr lang="fr-FR"/>
+          </a:p>
+        </p:txBody>
+      </p:sp>
+    </p:spTree>
+    <p:extLst>
+      <p:ext uri="{BB962C8B-B14F-4D97-AF65-F5344CB8AC3E}">
+        <p14:creationId xmlns:p14="http://schemas.microsoft.com/office/powerpoint/2010/main" val="3827976749"/>
+      </p:ext>
+    </p:extLst>
+  </p:cSld>
+  <p:clrMapOvr>
+    <a:masterClrMapping/>
+  </p:clrMapOvr>
+  <p:timing>
+    <p:tnLst>
+      <p:par>
+        <p:cTn id="1" dur="indefinite" restart="never" nodeType="tmRoot"/>
+      </p:par>
+    </p:tnLst>
+  </p:timing>
+</p:sld>
+</file>
+
 <file path=ppt/slides/slide3.xml><?xml version="1.0" encoding="utf-8"?>
 <p:sld xmlns:a="http://schemas.openxmlformats.org/drawingml/2006/main" xmlns:r="http://schemas.openxmlformats.org/officeDocument/2006/relationships" xmlns:p="http://schemas.openxmlformats.org/presentationml/2006/main">
   <p:cSld>
@@ -8956,8 +10920,19 @@
           <a:p>
             <a:r>
               <a:rPr lang="fr-FR" dirty="0" smtClean="0"/>
-              <a:t>Conception UML</a:t>
-            </a:r>
+              <a:t>Conception </a:t>
+            </a:r>
+            <a:r>
+              <a:rPr lang="fr-FR" dirty="0" smtClean="0"/>
+              <a:t>UML</a:t>
+            </a:r>
+          </a:p>
+          <a:p>
+            <a:r>
+              <a:rPr lang="fr-FR" dirty="0" smtClean="0"/>
+              <a:t>Schéma relationnel</a:t>
+            </a:r>
+            <a:endParaRPr lang="fr-FR" dirty="0" smtClean="0"/>
           </a:p>
           <a:p>
             <a:r>
@@ -9378,7 +11353,7 @@
           </p:nvPr>
         </p:nvPicPr>
         <p:blipFill rotWithShape="1">
-          <a:blip r:embed="rId2"/>
+          <a:blip r:embed="rId3"/>
           <a:srcRect l="16587" t="16451" r="24309" b="6389"/>
           <a:stretch/>
         </p:blipFill>
@@ -9604,7 +11579,7 @@
           </p:nvPr>
         </p:nvPicPr>
         <p:blipFill rotWithShape="1">
-          <a:blip r:embed="rId2"/>
+          <a:blip r:embed="rId3"/>
           <a:srcRect l="12440" t="13259" r="37707" b="6634"/>
           <a:stretch/>
         </p:blipFill>
@@ -9783,7 +11758,7 @@
           </p:nvPr>
         </p:nvPicPr>
         <p:blipFill rotWithShape="1">
-          <a:blip r:embed="rId2"/>
+          <a:blip r:embed="rId3"/>
           <a:srcRect l="14789" t="9576" r="49724" b="6634"/>
           <a:stretch/>
         </p:blipFill>
@@ -9853,7 +11828,7 @@
           </p:nvPr>
         </p:nvPicPr>
         <p:blipFill rotWithShape="1">
-          <a:blip r:embed="rId2"/>
+          <a:blip r:embed="rId3"/>
           <a:srcRect l="11465" t="15959" r="19337" b="6203"/>
           <a:stretch/>
         </p:blipFill>
